--- a/bazard/Présentation ODIARD PASINI.pptx
+++ b/bazard/Présentation ODIARD PASINI.pptx
@@ -5,10 +5,10 @@
     <p:sldMasterId id="2147483840" r:id="rId2"/>
   </p:sldMasterIdLst>
   <p:notesMasterIdLst>
-    <p:notesMasterId r:id="rId15"/>
+    <p:notesMasterId r:id="rId14"/>
   </p:notesMasterIdLst>
   <p:handoutMasterIdLst>
-    <p:handoutMasterId r:id="rId16"/>
+    <p:handoutMasterId r:id="rId15"/>
   </p:handoutMasterIdLst>
   <p:sldIdLst>
     <p:sldId id="259" r:id="rId3"/>
@@ -17,12 +17,11 @@
     <p:sldId id="262" r:id="rId6"/>
     <p:sldId id="263" r:id="rId7"/>
     <p:sldId id="264" r:id="rId8"/>
-    <p:sldId id="265" r:id="rId9"/>
-    <p:sldId id="266" r:id="rId10"/>
-    <p:sldId id="267" r:id="rId11"/>
-    <p:sldId id="268" r:id="rId12"/>
-    <p:sldId id="270" r:id="rId13"/>
-    <p:sldId id="271" r:id="rId14"/>
+    <p:sldId id="266" r:id="rId9"/>
+    <p:sldId id="267" r:id="rId10"/>
+    <p:sldId id="268" r:id="rId11"/>
+    <p:sldId id="270" r:id="rId12"/>
+    <p:sldId id="271" r:id="rId13"/>
   </p:sldIdLst>
   <p:sldSz cx="12192000" cy="6858000"/>
   <p:notesSz cx="6858000" cy="9144000"/>
@@ -123,7 +122,7 @@
   </p:defaultTextStyle>
   <p:extLst>
     <p:ext uri="{EFAFB233-063F-42B5-8137-9DF3F51BA10A}">
-      <p15:sldGuideLst xmlns:p15="http://schemas.microsoft.com/office/powerpoint/2012/main">
+      <p15:sldGuideLst xmlns:p15="http://schemas.microsoft.com/office/powerpoint/2012/main" xmlns="">
         <p15:guide id="1" orient="horz" pos="2160">
           <p15:clr>
             <a:srgbClr val="A4A3A4"/>
@@ -137,7 +136,7 @@
       </p15:sldGuideLst>
     </p:ext>
     <p:ext uri="{2D200454-40CA-4A62-9FC3-DE9A4176ACB9}">
-      <p15:notesGuideLst xmlns:p15="http://schemas.microsoft.com/office/powerpoint/2012/main"/>
+      <p15:notesGuideLst xmlns:p15="http://schemas.microsoft.com/office/powerpoint/2012/main" xmlns=""/>
     </p:ext>
   </p:extLst>
 </p:presentation>
@@ -291,7 +290,7 @@
           <a:p>
             <a:fld id="{59D3B0C7-9A35-4A01-94E6-BCA70A26D3F8}" type="slidenum">
               <a:rPr/>
-              <a:t>‹#›</a:t>
+              <a:t>‹N°›</a:t>
             </a:fld>
             <a:endParaRPr/>
           </a:p>
@@ -548,7 +547,7 @@
           <a:p>
             <a:fld id="{70FA3906-5EC9-4029-BF49-DDD886D78639}" type="slidenum">
               <a:rPr/>
-              <a:t>‹#›</a:t>
+              <a:t>‹N°›</a:t>
             </a:fld>
             <a:endParaRPr/>
           </a:p>
@@ -841,7 +840,7 @@
           <a:p>
             <a:fld id="{4FAB73BC-B049-4115-A692-8D63A059BFB8}" type="slidenum">
               <a:rPr/>
-              <a:t>‹#›</a:t>
+              <a:t>‹N°›</a:t>
             </a:fld>
             <a:endParaRPr/>
           </a:p>
@@ -858,7 +857,7 @@
     <a:masterClrMapping/>
   </p:clrMapOvr>
   <mc:AlternateContent xmlns:mc="http://schemas.openxmlformats.org/markup-compatibility/2006">
-    <mc:Choice xmlns:p15="http://schemas.microsoft.com/office/powerpoint/2012/main" Requires="p15">
+    <mc:Choice xmlns:p15="http://schemas.microsoft.com/office/powerpoint/2012/main" xmlns="" Requires="p15">
       <p:transition xmlns:p14="http://schemas.microsoft.com/office/powerpoint/2010/main" spd="slow" p14:dur="2000">
         <p15:prstTrans prst="fracture"/>
       </p:transition>
@@ -1023,7 +1022,7 @@
           <a:p>
             <a:fld id="{4FAB73BC-B049-4115-A692-8D63A059BFB8}" type="slidenum">
               <a:rPr/>
-              <a:t>‹#›</a:t>
+              <a:t>‹N°›</a:t>
             </a:fld>
             <a:endParaRPr/>
           </a:p>
@@ -1040,7 +1039,7 @@
     <a:masterClrMapping/>
   </p:clrMapOvr>
   <mc:AlternateContent xmlns:mc="http://schemas.openxmlformats.org/markup-compatibility/2006">
-    <mc:Choice xmlns:p15="http://schemas.microsoft.com/office/powerpoint/2012/main" Requires="p15">
+    <mc:Choice xmlns:p15="http://schemas.microsoft.com/office/powerpoint/2012/main" xmlns="" Requires="p15">
       <p:transition xmlns:p14="http://schemas.microsoft.com/office/powerpoint/2010/main" spd="slow" p14:dur="2000">
         <p15:prstTrans prst="fracture"/>
       </p:transition>
@@ -1215,7 +1214,7 @@
           <a:p>
             <a:fld id="{4FAB73BC-B049-4115-A692-8D63A059BFB8}" type="slidenum">
               <a:rPr/>
-              <a:t>‹#›</a:t>
+              <a:t>‹N°›</a:t>
             </a:fld>
             <a:endParaRPr/>
           </a:p>
@@ -1232,7 +1231,7 @@
     <a:masterClrMapping/>
   </p:clrMapOvr>
   <mc:AlternateContent xmlns:mc="http://schemas.openxmlformats.org/markup-compatibility/2006">
-    <mc:Choice xmlns:p15="http://schemas.microsoft.com/office/powerpoint/2012/main" Requires="p15">
+    <mc:Choice xmlns:p15="http://schemas.microsoft.com/office/powerpoint/2012/main" xmlns="" Requires="p15">
       <p:transition xmlns:p14="http://schemas.microsoft.com/office/powerpoint/2010/main" spd="slow" p14:dur="2000">
         <p15:prstTrans prst="fracture"/>
       </p:transition>
@@ -1397,7 +1396,7 @@
           <a:p>
             <a:fld id="{4FAB73BC-B049-4115-A692-8D63A059BFB8}" type="slidenum">
               <a:rPr/>
-              <a:t>‹#›</a:t>
+              <a:t>‹N°›</a:t>
             </a:fld>
             <a:endParaRPr/>
           </a:p>
@@ -1414,7 +1413,7 @@
     <a:masterClrMapping/>
   </p:clrMapOvr>
   <mc:AlternateContent xmlns:mc="http://schemas.openxmlformats.org/markup-compatibility/2006">
-    <mc:Choice xmlns:p15="http://schemas.microsoft.com/office/powerpoint/2012/main" Requires="p15">
+    <mc:Choice xmlns:p15="http://schemas.microsoft.com/office/powerpoint/2012/main" xmlns="" Requires="p15">
       <p:transition xmlns:p14="http://schemas.microsoft.com/office/powerpoint/2010/main" spd="slow" p14:dur="2000">
         <p15:prstTrans prst="fracture"/>
       </p:transition>
@@ -1660,7 +1659,7 @@
           <a:p>
             <a:fld id="{4FAB73BC-B049-4115-A692-8D63A059BFB8}" type="slidenum">
               <a:rPr/>
-              <a:t>‹#›</a:t>
+              <a:t>‹N°›</a:t>
             </a:fld>
             <a:endParaRPr/>
           </a:p>
@@ -1677,7 +1676,7 @@
     <a:masterClrMapping/>
   </p:clrMapOvr>
   <mc:AlternateContent xmlns:mc="http://schemas.openxmlformats.org/markup-compatibility/2006">
-    <mc:Choice xmlns:p15="http://schemas.microsoft.com/office/powerpoint/2012/main" Requires="p15">
+    <mc:Choice xmlns:p15="http://schemas.microsoft.com/office/powerpoint/2012/main" xmlns="" Requires="p15">
       <p:transition xmlns:p14="http://schemas.microsoft.com/office/powerpoint/2010/main" spd="slow" p14:dur="2000">
         <p15:prstTrans prst="fracture"/>
       </p:transition>
@@ -1960,7 +1959,7 @@
           <a:p>
             <a:fld id="{4FAB73BC-B049-4115-A692-8D63A059BFB8}" type="slidenum">
               <a:rPr/>
-              <a:t>‹#›</a:t>
+              <a:t>‹N°›</a:t>
             </a:fld>
             <a:endParaRPr/>
           </a:p>
@@ -1977,7 +1976,7 @@
     <a:masterClrMapping/>
   </p:clrMapOvr>
   <mc:AlternateContent xmlns:mc="http://schemas.openxmlformats.org/markup-compatibility/2006">
-    <mc:Choice xmlns:p15="http://schemas.microsoft.com/office/powerpoint/2012/main" Requires="p15">
+    <mc:Choice xmlns:p15="http://schemas.microsoft.com/office/powerpoint/2012/main" xmlns="" Requires="p15">
       <p:transition xmlns:p14="http://schemas.microsoft.com/office/powerpoint/2010/main" spd="slow" p14:dur="2000">
         <p15:prstTrans prst="fracture"/>
       </p:transition>
@@ -2369,7 +2368,7 @@
           <a:p>
             <a:fld id="{4FAB73BC-B049-4115-A692-8D63A059BFB8}" type="slidenum">
               <a:rPr/>
-              <a:t>‹#›</a:t>
+              <a:t>‹N°›</a:t>
             </a:fld>
             <a:endParaRPr/>
           </a:p>
@@ -2409,7 +2408,7 @@
     <a:masterClrMapping/>
   </p:clrMapOvr>
   <mc:AlternateContent xmlns:mc="http://schemas.openxmlformats.org/markup-compatibility/2006">
-    <mc:Choice xmlns:p15="http://schemas.microsoft.com/office/powerpoint/2012/main" Requires="p15">
+    <mc:Choice xmlns:p15="http://schemas.microsoft.com/office/powerpoint/2012/main" xmlns="" Requires="p15">
       <p:transition xmlns:p14="http://schemas.microsoft.com/office/powerpoint/2010/main" spd="slow" p14:dur="2000">
         <p15:prstTrans prst="fracture"/>
       </p:transition>
@@ -2499,7 +2498,7 @@
           <a:p>
             <a:fld id="{4FAB73BC-B049-4115-A692-8D63A059BFB8}" type="slidenum">
               <a:rPr/>
-              <a:t>‹#›</a:t>
+              <a:t>‹N°›</a:t>
             </a:fld>
             <a:endParaRPr/>
           </a:p>
@@ -2539,7 +2538,7 @@
     <a:masterClrMapping/>
   </p:clrMapOvr>
   <mc:AlternateContent xmlns:mc="http://schemas.openxmlformats.org/markup-compatibility/2006">
-    <mc:Choice xmlns:p15="http://schemas.microsoft.com/office/powerpoint/2012/main" Requires="p15">
+    <mc:Choice xmlns:p15="http://schemas.microsoft.com/office/powerpoint/2012/main" xmlns="" Requires="p15">
       <p:transition xmlns:p14="http://schemas.microsoft.com/office/powerpoint/2010/main" spd="slow" p14:dur="2000">
         <p15:prstTrans prst="fracture"/>
       </p:transition>
@@ -2636,7 +2635,7 @@
           <a:p>
             <a:fld id="{4FAB73BC-B049-4115-A692-8D63A059BFB8}" type="slidenum">
               <a:rPr/>
-              <a:t>‹#›</a:t>
+              <a:t>‹N°›</a:t>
             </a:fld>
             <a:endParaRPr/>
           </a:p>
@@ -2653,7 +2652,7 @@
     <a:masterClrMapping/>
   </p:clrMapOvr>
   <mc:AlternateContent xmlns:mc="http://schemas.openxmlformats.org/markup-compatibility/2006">
-    <mc:Choice xmlns:p15="http://schemas.microsoft.com/office/powerpoint/2012/main" Requires="p15">
+    <mc:Choice xmlns:p15="http://schemas.microsoft.com/office/powerpoint/2012/main" xmlns="" Requires="p15">
       <p:transition xmlns:p14="http://schemas.microsoft.com/office/powerpoint/2010/main" spd="slow" p14:dur="2000">
         <p15:prstTrans prst="fracture"/>
       </p:transition>
@@ -2932,7 +2931,7 @@
           <a:p>
             <a:fld id="{4FAB73BC-B049-4115-A692-8D63A059BFB8}" type="slidenum">
               <a:rPr/>
-              <a:t>‹#›</a:t>
+              <a:t>‹N°›</a:t>
             </a:fld>
             <a:endParaRPr/>
           </a:p>
@@ -2949,7 +2948,7 @@
     <a:masterClrMapping/>
   </p:clrMapOvr>
   <mc:AlternateContent xmlns:mc="http://schemas.openxmlformats.org/markup-compatibility/2006">
-    <mc:Choice xmlns:p15="http://schemas.microsoft.com/office/powerpoint/2012/main" Requires="p15">
+    <mc:Choice xmlns:p15="http://schemas.microsoft.com/office/powerpoint/2012/main" xmlns="" Requires="p15">
       <p:transition xmlns:p14="http://schemas.microsoft.com/office/powerpoint/2010/main" spd="slow" p14:dur="2000">
         <p15:prstTrans prst="fracture"/>
       </p:transition>
@@ -3208,7 +3207,7 @@
           <a:p>
             <a:fld id="{4FAB73BC-B049-4115-A692-8D63A059BFB8}" type="slidenum">
               <a:rPr/>
-              <a:t>‹#›</a:t>
+              <a:t>‹N°›</a:t>
             </a:fld>
             <a:endParaRPr/>
           </a:p>
@@ -3225,7 +3224,7 @@
     <a:masterClrMapping/>
   </p:clrMapOvr>
   <mc:AlternateContent xmlns:mc="http://schemas.openxmlformats.org/markup-compatibility/2006">
-    <mc:Choice xmlns:p15="http://schemas.microsoft.com/office/powerpoint/2012/main" Requires="p15">
+    <mc:Choice xmlns:p15="http://schemas.microsoft.com/office/powerpoint/2012/main" xmlns="" Requires="p15">
       <p:transition xmlns:p14="http://schemas.microsoft.com/office/powerpoint/2010/main" spd="slow" p14:dur="2000">
         <p15:prstTrans prst="fracture"/>
       </p:transition>
@@ -3471,7 +3470,7 @@
           <a:p>
             <a:fld id="{4FAB73BC-B049-4115-A692-8D63A059BFB8}" type="slidenum">
               <a:rPr/>
-              <a:t>‹#›</a:t>
+              <a:t>‹N°›</a:t>
             </a:fld>
             <a:endParaRPr/>
           </a:p>
@@ -3499,7 +3498,7 @@
     <p:sldLayoutId id="2147483851" r:id="rId11"/>
   </p:sldLayoutIdLst>
   <mc:AlternateContent xmlns:mc="http://schemas.openxmlformats.org/markup-compatibility/2006">
-    <mc:Choice xmlns:p15="http://schemas.microsoft.com/office/powerpoint/2012/main" Requires="p15">
+    <mc:Choice xmlns:p15="http://schemas.microsoft.com/office/powerpoint/2012/main" xmlns="" Requires="p15">
       <p:transition xmlns:p14="http://schemas.microsoft.com/office/powerpoint/2010/main" spd="slow" p14:dur="2000">
         <p15:prstTrans prst="fracture"/>
       </p:transition>
@@ -3793,7 +3792,7 @@
   </p:txStyles>
   <p:extLst mod="1">
     <p:ext uri="{27BBF7A9-308A-43DC-89C8-2F10F3537804}">
-      <p15:sldGuideLst xmlns:p15="http://schemas.microsoft.com/office/powerpoint/2012/main">
+      <p15:sldGuideLst xmlns:p15="http://schemas.microsoft.com/office/powerpoint/2012/main" xmlns="">
         <p15:guide id="1" orient="horz" pos="2160" userDrawn="1">
           <p15:clr>
             <a:srgbClr val="F26B43"/>
@@ -4157,7 +4156,7 @@
     <a:masterClrMapping/>
   </p:clrMapOvr>
   <mc:AlternateContent xmlns:mc="http://schemas.openxmlformats.org/markup-compatibility/2006">
-    <mc:Choice xmlns:p15="http://schemas.microsoft.com/office/powerpoint/2012/main" Requires="p15">
+    <mc:Choice xmlns:p15="http://schemas.microsoft.com/office/powerpoint/2012/main" xmlns="" Requires="p15">
       <p:transition xmlns:p14="http://schemas.microsoft.com/office/powerpoint/2010/main" spd="slow" p14:dur="2000">
         <p15:prstTrans prst="fracture"/>
       </p:transition>
@@ -4179,6 +4178,1948 @@
 </file>
 
 <file path=ppt/slides/slide10.xml><?xml version="1.0" encoding="utf-8"?>
+<p:sld xmlns:a="http://schemas.openxmlformats.org/drawingml/2006/main" xmlns:r="http://schemas.openxmlformats.org/officeDocument/2006/relationships" xmlns:p="http://schemas.openxmlformats.org/presentationml/2006/main">
+  <p:cSld>
+    <p:spTree>
+      <p:nvGrpSpPr>
+        <p:cNvPr id="1" name=""/>
+        <p:cNvGrpSpPr/>
+        <p:nvPr/>
+      </p:nvGrpSpPr>
+      <p:grpSpPr>
+        <a:xfrm>
+          <a:off x="0" y="0"/>
+          <a:ext cx="0" cy="0"/>
+          <a:chOff x="0" y="0"/>
+          <a:chExt cx="0" cy="0"/>
+        </a:xfrm>
+      </p:grpSpPr>
+      <p:sp>
+        <p:nvSpPr>
+          <p:cNvPr id="2" name="Title 1"/>
+          <p:cNvSpPr>
+            <a:spLocks noGrp="1"/>
+          </p:cNvSpPr>
+          <p:nvPr>
+            <p:ph type="title"/>
+          </p:nvPr>
+        </p:nvSpPr>
+        <p:spPr>
+          <a:xfrm>
+            <a:off x="0" y="0"/>
+            <a:ext cx="12192000" cy="1034925"/>
+          </a:xfrm>
+        </p:spPr>
+        <p:txBody>
+          <a:bodyPr>
+            <a:normAutofit/>
+          </a:bodyPr>
+          <a:lstStyle/>
+          <a:p>
+            <a:pPr algn="ctr"/>
+            <a:r>
+              <a:rPr lang="fr-FR" sz="5500" dirty="0" smtClean="0">
+                <a:latin typeface="Helvetica LT Std" panose="020B0504020202020204" pitchFamily="34" charset="0"/>
+              </a:rPr>
+              <a:t>Améliorations possibles</a:t>
+            </a:r>
+            <a:endParaRPr lang="fr-FR" sz="5500" dirty="0">
+              <a:latin typeface="Helvetica LT Std" panose="020B0504020202020204" pitchFamily="34" charset="0"/>
+            </a:endParaRPr>
+          </a:p>
+        </p:txBody>
+      </p:sp>
+      <p:sp>
+        <p:nvSpPr>
+          <p:cNvPr id="4" name="Content Placeholder 3"/>
+          <p:cNvSpPr>
+            <a:spLocks noGrp="1"/>
+          </p:cNvSpPr>
+          <p:nvPr>
+            <p:ph idx="1"/>
+          </p:nvPr>
+        </p:nvSpPr>
+        <p:spPr>
+          <a:xfrm>
+            <a:off x="845127" y="1626920"/>
+            <a:ext cx="10515600" cy="4553218"/>
+          </a:xfrm>
+        </p:spPr>
+        <p:txBody>
+          <a:bodyPr>
+            <a:normAutofit/>
+          </a:bodyPr>
+          <a:lstStyle/>
+          <a:p>
+            <a:r>
+              <a:rPr lang="fr-FR" sz="3500" dirty="0" smtClean="0">
+                <a:latin typeface="Helvetica LT Std" panose="020B0504020202020204" pitchFamily="34" charset="0"/>
+              </a:rPr>
+              <a:t>Utilisation d’une </a:t>
+            </a:r>
+            <a:r>
+              <a:rPr lang="fr-FR" sz="3500" dirty="0" err="1">
+                <a:latin typeface="Helvetica LT Std" panose="020B0504020202020204" pitchFamily="34" charset="0"/>
+              </a:rPr>
+              <a:t>f</a:t>
+            </a:r>
+            <a:r>
+              <a:rPr lang="fr-FR" sz="3500" dirty="0" err="1" smtClean="0">
+                <a:latin typeface="Helvetica LT Std" panose="020B0504020202020204" pitchFamily="34" charset="0"/>
+              </a:rPr>
+              <a:t>actory</a:t>
+            </a:r>
+            <a:r>
+              <a:rPr lang="fr-FR" sz="3500" dirty="0" smtClean="0">
+                <a:latin typeface="Helvetica LT Std" panose="020B0504020202020204" pitchFamily="34" charset="0"/>
+              </a:rPr>
+              <a:t> </a:t>
+            </a:r>
+            <a:r>
+              <a:rPr lang="fr-FR" sz="3500" dirty="0" smtClean="0">
+                <a:latin typeface="Helvetica LT Std" panose="020B0504020202020204" pitchFamily="34" charset="0"/>
+              </a:rPr>
+              <a:t>de </a:t>
+            </a:r>
+            <a:r>
+              <a:rPr lang="fr-FR" sz="3500" dirty="0" smtClean="0">
+                <a:latin typeface="Helvetica LT Std" panose="020B0504020202020204" pitchFamily="34" charset="0"/>
+              </a:rPr>
+              <a:t>DAO</a:t>
+            </a:r>
+            <a:endParaRPr lang="fr-FR" sz="3500" dirty="0" smtClean="0">
+              <a:latin typeface="Helvetica LT Std" panose="020B0504020202020204" pitchFamily="34" charset="0"/>
+            </a:endParaRPr>
+          </a:p>
+          <a:p>
+            <a:endParaRPr lang="fr-FR" sz="3500" dirty="0" smtClean="0">
+              <a:latin typeface="Helvetica LT Std" panose="020B0504020202020204" pitchFamily="34" charset="0"/>
+            </a:endParaRPr>
+          </a:p>
+          <a:p>
+            <a:r>
+              <a:rPr lang="fr-FR" sz="3500" dirty="0" smtClean="0">
+                <a:latin typeface="Helvetica LT Std" panose="020B0504020202020204" pitchFamily="34" charset="0"/>
+              </a:rPr>
+              <a:t>Réorganisation </a:t>
+            </a:r>
+            <a:r>
+              <a:rPr lang="fr-FR" sz="3500" dirty="0" smtClean="0">
+                <a:latin typeface="Helvetica LT Std" panose="020B0504020202020204" pitchFamily="34" charset="0"/>
+              </a:rPr>
+              <a:t>des </a:t>
+            </a:r>
+            <a:r>
+              <a:rPr lang="fr-FR" sz="3500" dirty="0" err="1" smtClean="0">
+                <a:latin typeface="Helvetica LT Std" panose="020B0504020202020204" pitchFamily="34" charset="0"/>
+              </a:rPr>
+              <a:t>controllers</a:t>
+            </a:r>
+            <a:endParaRPr lang="fr-FR" sz="3500" dirty="0" smtClean="0">
+              <a:latin typeface="Helvetica LT Std" panose="020B0504020202020204" pitchFamily="34" charset="0"/>
+            </a:endParaRPr>
+          </a:p>
+          <a:p>
+            <a:endParaRPr lang="fr-FR" sz="3500" dirty="0">
+              <a:latin typeface="Helvetica LT Std" panose="020B0504020202020204" pitchFamily="34" charset="0"/>
+            </a:endParaRPr>
+          </a:p>
+        </p:txBody>
+      </p:sp>
+      <p:sp>
+        <p:nvSpPr>
+          <p:cNvPr id="3" name="Rectangle 2"/>
+          <p:cNvSpPr/>
+          <p:nvPr/>
+        </p:nvSpPr>
+        <p:spPr>
+          <a:xfrm flipV="1">
+            <a:off x="0" y="1034925"/>
+            <a:ext cx="12192000" cy="47505"/>
+          </a:xfrm>
+          <a:prstGeom prst="rect">
+            <a:avLst/>
+          </a:prstGeom>
+        </p:spPr>
+        <p:style>
+          <a:lnRef idx="1">
+            <a:schemeClr val="accent4"/>
+          </a:lnRef>
+          <a:fillRef idx="3">
+            <a:schemeClr val="accent4"/>
+          </a:fillRef>
+          <a:effectRef idx="2">
+            <a:schemeClr val="accent4"/>
+          </a:effectRef>
+          <a:fontRef idx="minor">
+            <a:schemeClr val="lt1"/>
+          </a:fontRef>
+        </p:style>
+        <p:txBody>
+          <a:bodyPr rtlCol="0" anchor="ctr"/>
+          <a:lstStyle/>
+          <a:p>
+            <a:pPr algn="ctr"/>
+            <a:endParaRPr lang="fr-FR"/>
+          </a:p>
+        </p:txBody>
+      </p:sp>
+    </p:spTree>
+    <p:extLst>
+      <p:ext uri="{BB962C8B-B14F-4D97-AF65-F5344CB8AC3E}">
+        <p14:creationId xmlns:p14="http://schemas.microsoft.com/office/powerpoint/2010/main" val="2022790434"/>
+      </p:ext>
+    </p:extLst>
+  </p:cSld>
+  <p:clrMapOvr>
+    <a:masterClrMapping/>
+  </p:clrMapOvr>
+  <mc:AlternateContent xmlns:mc="http://schemas.openxmlformats.org/markup-compatibility/2006">
+    <mc:Choice xmlns:p15="http://schemas.microsoft.com/office/powerpoint/2012/main" xmlns="" Requires="p15">
+      <p:transition xmlns:p14="http://schemas.microsoft.com/office/powerpoint/2010/main" spd="slow" p14:dur="2000">
+        <p15:prstTrans prst="fracture"/>
+      </p:transition>
+    </mc:Choice>
+    <mc:Fallback>
+      <p:transition spd="slow">
+        <p:fade/>
+      </p:transition>
+    </mc:Fallback>
+  </mc:AlternateContent>
+  <p:timing>
+    <p:tnLst>
+      <p:par>
+        <p:cTn id="1" dur="indefinite" restart="never" nodeType="tmRoot"/>
+      </p:par>
+    </p:tnLst>
+  </p:timing>
+</p:sld>
+</file>
+
+<file path=ppt/slides/slide11.xml><?xml version="1.0" encoding="utf-8"?>
+<p:sld xmlns:a="http://schemas.openxmlformats.org/drawingml/2006/main" xmlns:r="http://schemas.openxmlformats.org/officeDocument/2006/relationships" xmlns:p="http://schemas.openxmlformats.org/presentationml/2006/main">
+  <p:cSld>
+    <p:spTree>
+      <p:nvGrpSpPr>
+        <p:cNvPr id="1" name=""/>
+        <p:cNvGrpSpPr/>
+        <p:nvPr/>
+      </p:nvGrpSpPr>
+      <p:grpSpPr>
+        <a:xfrm>
+          <a:off x="0" y="0"/>
+          <a:ext cx="0" cy="0"/>
+          <a:chOff x="0" y="0"/>
+          <a:chExt cx="0" cy="0"/>
+        </a:xfrm>
+      </p:grpSpPr>
+      <p:sp>
+        <p:nvSpPr>
+          <p:cNvPr id="2" name="Title 1"/>
+          <p:cNvSpPr>
+            <a:spLocks noGrp="1"/>
+          </p:cNvSpPr>
+          <p:nvPr>
+            <p:ph type="title"/>
+          </p:nvPr>
+        </p:nvSpPr>
+        <p:spPr>
+          <a:xfrm>
+            <a:off x="0" y="0"/>
+            <a:ext cx="12192000" cy="1034925"/>
+          </a:xfrm>
+        </p:spPr>
+        <p:txBody>
+          <a:bodyPr>
+            <a:normAutofit/>
+          </a:bodyPr>
+          <a:lstStyle/>
+          <a:p>
+            <a:pPr algn="ctr"/>
+            <a:r>
+              <a:rPr lang="fr-FR" sz="5500" dirty="0" smtClean="0">
+                <a:latin typeface="Helvetica LT Std" panose="020B0504020202020204" pitchFamily="34" charset="0"/>
+              </a:rPr>
+              <a:t>Points positifs</a:t>
+            </a:r>
+            <a:endParaRPr lang="fr-FR" sz="5500" dirty="0">
+              <a:latin typeface="Helvetica LT Std" panose="020B0504020202020204" pitchFamily="34" charset="0"/>
+            </a:endParaRPr>
+          </a:p>
+        </p:txBody>
+      </p:sp>
+      <p:sp>
+        <p:nvSpPr>
+          <p:cNvPr id="4" name="Content Placeholder 3"/>
+          <p:cNvSpPr>
+            <a:spLocks noGrp="1"/>
+          </p:cNvSpPr>
+          <p:nvPr>
+            <p:ph idx="1"/>
+          </p:nvPr>
+        </p:nvSpPr>
+        <p:spPr>
+          <a:xfrm>
+            <a:off x="845127" y="1626920"/>
+            <a:ext cx="10515600" cy="4553218"/>
+          </a:xfrm>
+        </p:spPr>
+        <p:txBody>
+          <a:bodyPr>
+            <a:normAutofit/>
+          </a:bodyPr>
+          <a:lstStyle/>
+          <a:p>
+            <a:r>
+              <a:rPr lang="fr-FR" sz="3500" dirty="0" smtClean="0">
+                <a:latin typeface="Helvetica LT Std" panose="020B0504020202020204" pitchFamily="34" charset="0"/>
+              </a:rPr>
+              <a:t>Bonne compartimentation du </a:t>
+            </a:r>
+            <a:r>
+              <a:rPr lang="fr-FR" sz="3500" dirty="0" smtClean="0">
+                <a:latin typeface="Helvetica LT Std" panose="020B0504020202020204" pitchFamily="34" charset="0"/>
+              </a:rPr>
+              <a:t>code selon le pattern MVC</a:t>
+            </a:r>
+          </a:p>
+          <a:p>
+            <a:endParaRPr lang="fr-FR" sz="3500" dirty="0" smtClean="0">
+              <a:latin typeface="Helvetica LT Std" panose="020B0504020202020204" pitchFamily="34" charset="0"/>
+            </a:endParaRPr>
+          </a:p>
+          <a:p>
+            <a:r>
+              <a:rPr lang="fr-FR" sz="3500" dirty="0" smtClean="0">
+                <a:latin typeface="Helvetica LT Std" panose="020B0504020202020204" pitchFamily="34" charset="0"/>
+              </a:rPr>
+              <a:t>Classes « </a:t>
+            </a:r>
+            <a:r>
+              <a:rPr lang="fr-FR" sz="3500" dirty="0" err="1" smtClean="0">
+                <a:latin typeface="Helvetica LT Std" panose="020B0504020202020204" pitchFamily="34" charset="0"/>
+              </a:rPr>
+              <a:t>helper</a:t>
+            </a:r>
+            <a:r>
+              <a:rPr lang="fr-FR" sz="3500" dirty="0" smtClean="0">
+                <a:latin typeface="Helvetica LT Std" panose="020B0504020202020204" pitchFamily="34" charset="0"/>
+              </a:rPr>
+              <a:t> » </a:t>
+            </a:r>
+            <a:r>
+              <a:rPr lang="fr-FR" sz="3500" dirty="0" smtClean="0">
+                <a:latin typeface="Helvetica LT Std" panose="020B0504020202020204" pitchFamily="34" charset="0"/>
+              </a:rPr>
+              <a:t>très génériques, </a:t>
+            </a:r>
+            <a:r>
+              <a:rPr lang="fr-FR" sz="3500" dirty="0" smtClean="0">
+                <a:latin typeface="Helvetica LT Std" panose="020B0504020202020204" pitchFamily="34" charset="0"/>
+              </a:rPr>
+              <a:t>permet la </a:t>
+            </a:r>
+            <a:r>
+              <a:rPr lang="fr-FR" sz="3500" dirty="0" smtClean="0">
+                <a:latin typeface="Helvetica LT Std" panose="020B0504020202020204" pitchFamily="34" charset="0"/>
+              </a:rPr>
+              <a:t>réutilisation dans d’autres projets</a:t>
+            </a:r>
+            <a:endParaRPr lang="fr-FR" sz="3500" dirty="0" smtClean="0">
+              <a:latin typeface="Helvetica LT Std" panose="020B0504020202020204" pitchFamily="34" charset="0"/>
+            </a:endParaRPr>
+          </a:p>
+          <a:p>
+            <a:endParaRPr lang="fr-FR" sz="3500" dirty="0" smtClean="0">
+              <a:latin typeface="Helvetica LT Std" panose="020B0504020202020204" pitchFamily="34" charset="0"/>
+            </a:endParaRPr>
+          </a:p>
+          <a:p>
+            <a:endParaRPr lang="fr-FR" sz="3500" dirty="0" smtClean="0">
+              <a:latin typeface="Helvetica LT Std" panose="020B0504020202020204" pitchFamily="34" charset="0"/>
+            </a:endParaRPr>
+          </a:p>
+          <a:p>
+            <a:endParaRPr lang="fr-FR" sz="3500" dirty="0">
+              <a:latin typeface="Helvetica LT Std" panose="020B0504020202020204" pitchFamily="34" charset="0"/>
+            </a:endParaRPr>
+          </a:p>
+        </p:txBody>
+      </p:sp>
+      <p:sp>
+        <p:nvSpPr>
+          <p:cNvPr id="3" name="Rectangle 2"/>
+          <p:cNvSpPr/>
+          <p:nvPr/>
+        </p:nvSpPr>
+        <p:spPr>
+          <a:xfrm flipV="1">
+            <a:off x="0" y="1034925"/>
+            <a:ext cx="12192000" cy="47505"/>
+          </a:xfrm>
+          <a:prstGeom prst="rect">
+            <a:avLst/>
+          </a:prstGeom>
+        </p:spPr>
+        <p:style>
+          <a:lnRef idx="1">
+            <a:schemeClr val="accent4"/>
+          </a:lnRef>
+          <a:fillRef idx="3">
+            <a:schemeClr val="accent4"/>
+          </a:fillRef>
+          <a:effectRef idx="2">
+            <a:schemeClr val="accent4"/>
+          </a:effectRef>
+          <a:fontRef idx="minor">
+            <a:schemeClr val="lt1"/>
+          </a:fontRef>
+        </p:style>
+        <p:txBody>
+          <a:bodyPr rtlCol="0" anchor="ctr"/>
+          <a:lstStyle/>
+          <a:p>
+            <a:pPr algn="ctr"/>
+            <a:endParaRPr lang="fr-FR"/>
+          </a:p>
+        </p:txBody>
+      </p:sp>
+    </p:spTree>
+    <p:extLst>
+      <p:ext uri="{BB962C8B-B14F-4D97-AF65-F5344CB8AC3E}">
+        <p14:creationId xmlns:p14="http://schemas.microsoft.com/office/powerpoint/2010/main" val="2239238940"/>
+      </p:ext>
+    </p:extLst>
+  </p:cSld>
+  <p:clrMapOvr>
+    <a:masterClrMapping/>
+  </p:clrMapOvr>
+  <mc:AlternateContent xmlns:mc="http://schemas.openxmlformats.org/markup-compatibility/2006">
+    <mc:Choice xmlns:p15="http://schemas.microsoft.com/office/powerpoint/2012/main" xmlns="" Requires="p15">
+      <p:transition xmlns:p14="http://schemas.microsoft.com/office/powerpoint/2010/main" spd="slow" p14:dur="2000">
+        <p15:prstTrans prst="fracture"/>
+      </p:transition>
+    </mc:Choice>
+    <mc:Fallback>
+      <p:transition spd="slow">
+        <p:fade/>
+      </p:transition>
+    </mc:Fallback>
+  </mc:AlternateContent>
+  <p:timing>
+    <p:tnLst>
+      <p:par>
+        <p:cTn id="1" dur="indefinite" restart="never" nodeType="tmRoot"/>
+      </p:par>
+    </p:tnLst>
+  </p:timing>
+</p:sld>
+</file>
+
+<file path=ppt/slides/slide2.xml><?xml version="1.0" encoding="utf-8"?>
+<p:sld xmlns:a="http://schemas.openxmlformats.org/drawingml/2006/main" xmlns:r="http://schemas.openxmlformats.org/officeDocument/2006/relationships" xmlns:p="http://schemas.openxmlformats.org/presentationml/2006/main">
+  <p:cSld>
+    <p:spTree>
+      <p:nvGrpSpPr>
+        <p:cNvPr id="1" name=""/>
+        <p:cNvGrpSpPr/>
+        <p:nvPr/>
+      </p:nvGrpSpPr>
+      <p:grpSpPr>
+        <a:xfrm>
+          <a:off x="0" y="0"/>
+          <a:ext cx="0" cy="0"/>
+          <a:chOff x="0" y="0"/>
+          <a:chExt cx="0" cy="0"/>
+        </a:xfrm>
+      </p:grpSpPr>
+      <p:sp>
+        <p:nvSpPr>
+          <p:cNvPr id="4" name="Title 3"/>
+          <p:cNvSpPr>
+            <a:spLocks noGrp="1"/>
+          </p:cNvSpPr>
+          <p:nvPr>
+            <p:ph type="title"/>
+          </p:nvPr>
+        </p:nvSpPr>
+        <p:spPr>
+          <a:xfrm>
+            <a:off x="831850" y="4700491"/>
+            <a:ext cx="10515600" cy="997527"/>
+          </a:xfrm>
+        </p:spPr>
+        <p:txBody>
+          <a:bodyPr/>
+          <a:lstStyle/>
+          <a:p>
+            <a:r>
+              <a:rPr lang="fr-FR" dirty="0" smtClean="0">
+                <a:latin typeface="Helvetica LT Std" panose="020B0504020202020204" pitchFamily="34" charset="0"/>
+              </a:rPr>
+              <a:t>1 – Structure générale</a:t>
+            </a:r>
+            <a:endParaRPr lang="fr-FR" dirty="0">
+              <a:latin typeface="Helvetica LT Std" panose="020B0504020202020204" pitchFamily="34" charset="0"/>
+            </a:endParaRPr>
+          </a:p>
+        </p:txBody>
+      </p:sp>
+      <p:sp>
+        <p:nvSpPr>
+          <p:cNvPr id="6" name="Rectangle 5"/>
+          <p:cNvSpPr/>
+          <p:nvPr/>
+        </p:nvSpPr>
+        <p:spPr>
+          <a:xfrm flipV="1">
+            <a:off x="831850" y="5698015"/>
+            <a:ext cx="10515600" cy="190004"/>
+          </a:xfrm>
+          <a:prstGeom prst="rect">
+            <a:avLst/>
+          </a:prstGeom>
+        </p:spPr>
+        <p:style>
+          <a:lnRef idx="1">
+            <a:schemeClr val="accent3"/>
+          </a:lnRef>
+          <a:fillRef idx="3">
+            <a:schemeClr val="accent3"/>
+          </a:fillRef>
+          <a:effectRef idx="2">
+            <a:schemeClr val="accent3"/>
+          </a:effectRef>
+          <a:fontRef idx="minor">
+            <a:schemeClr val="lt1"/>
+          </a:fontRef>
+        </p:style>
+        <p:txBody>
+          <a:bodyPr rtlCol="0" anchor="ctr"/>
+          <a:lstStyle/>
+          <a:p>
+            <a:pPr algn="ctr"/>
+            <a:endParaRPr lang="fr-FR"/>
+          </a:p>
+        </p:txBody>
+      </p:sp>
+      <p:pic>
+        <p:nvPicPr>
+          <p:cNvPr id="2" name="Picture 1"/>
+          <p:cNvPicPr>
+            <a:picLocks noChangeAspect="1"/>
+          </p:cNvPicPr>
+          <p:nvPr/>
+        </p:nvPicPr>
+        <p:blipFill>
+          <a:blip r:embed="rId2" cstate="print">
+            <a:extLst>
+              <a:ext uri="{BEBA8EAE-BF5A-486C-A8C5-ECC9F3942E4B}">
+                <a14:imgProps xmlns:a14="http://schemas.microsoft.com/office/drawing/2010/main">
+                  <a14:imgLayer r:embed="rId3">
+                    <a14:imgEffect>
+                      <a14:brightnessContrast bright="-20000" contrast="20000"/>
+                    </a14:imgEffect>
+                  </a14:imgLayer>
+                </a14:imgProps>
+              </a:ext>
+              <a:ext uri="{28A0092B-C50C-407E-A947-70E740481C1C}">
+                <a14:useLocalDpi xmlns:a14="http://schemas.microsoft.com/office/drawing/2010/main" val="0"/>
+              </a:ext>
+            </a:extLst>
+          </a:blip>
+          <a:stretch>
+            <a:fillRect/>
+          </a:stretch>
+        </p:blipFill>
+        <p:spPr>
+          <a:xfrm>
+            <a:off x="959370" y="215445"/>
+            <a:ext cx="10237223" cy="4398805"/>
+          </a:xfrm>
+          <a:prstGeom prst="rect">
+            <a:avLst/>
+          </a:prstGeom>
+        </p:spPr>
+      </p:pic>
+      <p:sp>
+        <p:nvSpPr>
+          <p:cNvPr id="13" name="TextBox 12"/>
+          <p:cNvSpPr txBox="1"/>
+          <p:nvPr/>
+        </p:nvSpPr>
+        <p:spPr>
+          <a:xfrm>
+            <a:off x="1116622" y="-8493"/>
+            <a:ext cx="439678" cy="754053"/>
+          </a:xfrm>
+          <a:prstGeom prst="rect">
+            <a:avLst/>
+          </a:prstGeom>
+        </p:spPr>
+        <p:style>
+          <a:lnRef idx="1">
+            <a:schemeClr val="accent3"/>
+          </a:lnRef>
+          <a:fillRef idx="3">
+            <a:schemeClr val="accent3"/>
+          </a:fillRef>
+          <a:effectRef idx="2">
+            <a:schemeClr val="accent3"/>
+          </a:effectRef>
+          <a:fontRef idx="minor">
+            <a:schemeClr val="lt1"/>
+          </a:fontRef>
+        </p:style>
+        <p:txBody>
+          <a:bodyPr wrap="square" rtlCol="0" anchor="b">
+            <a:spAutoFit/>
+          </a:bodyPr>
+          <a:lstStyle/>
+          <a:p>
+            <a:endParaRPr lang="fr-FR" dirty="0"/>
+          </a:p>
+          <a:p>
+            <a:pPr algn="ctr"/>
+            <a:r>
+              <a:rPr lang="fr-FR" sz="2500" dirty="0" smtClean="0">
+                <a:latin typeface="Helvetica LT Std Black" panose="020B0904030502020204" pitchFamily="34" charset="0"/>
+              </a:rPr>
+              <a:t>1</a:t>
+            </a:r>
+            <a:endParaRPr lang="fr-FR" sz="2500" dirty="0">
+              <a:latin typeface="Helvetica LT Std Black" panose="020B0904030502020204" pitchFamily="34" charset="0"/>
+            </a:endParaRPr>
+          </a:p>
+        </p:txBody>
+      </p:sp>
+      <p:sp>
+        <p:nvSpPr>
+          <p:cNvPr id="14" name="TextBox 13"/>
+          <p:cNvSpPr txBox="1"/>
+          <p:nvPr/>
+        </p:nvSpPr>
+        <p:spPr>
+          <a:xfrm>
+            <a:off x="1848900" y="-329527"/>
+            <a:ext cx="439678" cy="754053"/>
+          </a:xfrm>
+          <a:prstGeom prst="rect">
+            <a:avLst/>
+          </a:prstGeom>
+        </p:spPr>
+        <p:style>
+          <a:lnRef idx="1">
+            <a:schemeClr val="accent4"/>
+          </a:lnRef>
+          <a:fillRef idx="3">
+            <a:schemeClr val="accent4"/>
+          </a:fillRef>
+          <a:effectRef idx="2">
+            <a:schemeClr val="accent4"/>
+          </a:effectRef>
+          <a:fontRef idx="minor">
+            <a:schemeClr val="lt1"/>
+          </a:fontRef>
+        </p:style>
+        <p:txBody>
+          <a:bodyPr wrap="square" rtlCol="0" anchor="b">
+            <a:spAutoFit/>
+          </a:bodyPr>
+          <a:lstStyle/>
+          <a:p>
+            <a:endParaRPr lang="fr-FR" dirty="0"/>
+          </a:p>
+          <a:p>
+            <a:pPr algn="ctr"/>
+            <a:r>
+              <a:rPr lang="fr-FR" sz="2500" dirty="0" smtClean="0">
+                <a:latin typeface="Helvetica LT Std Black" panose="020B0904030502020204" pitchFamily="34" charset="0"/>
+              </a:rPr>
+              <a:t>2</a:t>
+            </a:r>
+            <a:endParaRPr lang="fr-FR" sz="2500" dirty="0">
+              <a:latin typeface="Helvetica LT Std Black" panose="020B0904030502020204" pitchFamily="34" charset="0"/>
+            </a:endParaRPr>
+          </a:p>
+        </p:txBody>
+      </p:sp>
+    </p:spTree>
+    <p:extLst>
+      <p:ext uri="{BB962C8B-B14F-4D97-AF65-F5344CB8AC3E}">
+        <p14:creationId xmlns:p14="http://schemas.microsoft.com/office/powerpoint/2010/main" val="655872967"/>
+      </p:ext>
+    </p:extLst>
+  </p:cSld>
+  <p:clrMapOvr>
+    <a:masterClrMapping/>
+  </p:clrMapOvr>
+  <mc:AlternateContent xmlns:mc="http://schemas.openxmlformats.org/markup-compatibility/2006">
+    <mc:Choice xmlns:p15="http://schemas.microsoft.com/office/powerpoint/2012/main" xmlns="" Requires="p15">
+      <p:transition xmlns:p14="http://schemas.microsoft.com/office/powerpoint/2010/main" spd="slow" p14:dur="2000">
+        <p15:prstTrans prst="fracture"/>
+      </p:transition>
+    </mc:Choice>
+    <mc:Fallback>
+      <p:transition spd="slow">
+        <p:fade/>
+      </p:transition>
+    </mc:Fallback>
+  </mc:AlternateContent>
+  <p:timing>
+    <p:tnLst>
+      <p:par>
+        <p:cTn id="1" dur="indefinite" restart="never" nodeType="tmRoot"/>
+      </p:par>
+    </p:tnLst>
+  </p:timing>
+</p:sld>
+</file>
+
+<file path=ppt/slides/slide3.xml><?xml version="1.0" encoding="utf-8"?>
+<p:sld xmlns:a="http://schemas.openxmlformats.org/drawingml/2006/main" xmlns:r="http://schemas.openxmlformats.org/officeDocument/2006/relationships" xmlns:p="http://schemas.openxmlformats.org/presentationml/2006/main">
+  <p:cSld>
+    <p:spTree>
+      <p:nvGrpSpPr>
+        <p:cNvPr id="1" name=""/>
+        <p:cNvGrpSpPr/>
+        <p:nvPr/>
+      </p:nvGrpSpPr>
+      <p:grpSpPr>
+        <a:xfrm>
+          <a:off x="0" y="0"/>
+          <a:ext cx="0" cy="0"/>
+          <a:chOff x="0" y="0"/>
+          <a:chExt cx="0" cy="0"/>
+        </a:xfrm>
+      </p:grpSpPr>
+      <p:sp>
+        <p:nvSpPr>
+          <p:cNvPr id="2" name="Title 1"/>
+          <p:cNvSpPr>
+            <a:spLocks noGrp="1"/>
+          </p:cNvSpPr>
+          <p:nvPr>
+            <p:ph type="title"/>
+          </p:nvPr>
+        </p:nvSpPr>
+        <p:spPr>
+          <a:xfrm>
+            <a:off x="0" y="0"/>
+            <a:ext cx="12192000" cy="1034925"/>
+          </a:xfrm>
+        </p:spPr>
+        <p:txBody>
+          <a:bodyPr>
+            <a:normAutofit/>
+          </a:bodyPr>
+          <a:lstStyle/>
+          <a:p>
+            <a:pPr algn="ctr"/>
+            <a:r>
+              <a:rPr lang="fr-FR" sz="5500" dirty="0" err="1" smtClean="0">
+                <a:latin typeface="Helvetica LT Std" panose="020B0504020202020204" pitchFamily="34" charset="0"/>
+              </a:rPr>
+              <a:t>Routing</a:t>
+            </a:r>
+            <a:endParaRPr lang="fr-FR" sz="5500" dirty="0">
+              <a:latin typeface="Helvetica LT Std" panose="020B0504020202020204" pitchFamily="34" charset="0"/>
+            </a:endParaRPr>
+          </a:p>
+        </p:txBody>
+      </p:sp>
+      <p:sp>
+        <p:nvSpPr>
+          <p:cNvPr id="4" name="Content Placeholder 3"/>
+          <p:cNvSpPr>
+            <a:spLocks noGrp="1"/>
+          </p:cNvSpPr>
+          <p:nvPr>
+            <p:ph idx="1"/>
+          </p:nvPr>
+        </p:nvSpPr>
+        <p:spPr>
+          <a:xfrm>
+            <a:off x="845127" y="1626920"/>
+            <a:ext cx="10515600" cy="4553218"/>
+          </a:xfrm>
+        </p:spPr>
+        <p:txBody>
+          <a:bodyPr>
+            <a:normAutofit/>
+          </a:bodyPr>
+          <a:lstStyle/>
+          <a:p>
+            <a:r>
+              <a:rPr lang="fr-FR" sz="3500" dirty="0" smtClean="0">
+                <a:latin typeface="Helvetica LT Std" panose="020B0504020202020204" pitchFamily="34" charset="0"/>
+              </a:rPr>
+              <a:t>Un fichier .</a:t>
+            </a:r>
+            <a:r>
+              <a:rPr lang="fr-FR" sz="3500" dirty="0" err="1" smtClean="0">
+                <a:latin typeface="Helvetica LT Std" panose="020B0504020202020204" pitchFamily="34" charset="0"/>
+              </a:rPr>
+              <a:t>htaccess</a:t>
+            </a:r>
+            <a:r>
+              <a:rPr lang="fr-FR" sz="3500" dirty="0" smtClean="0">
+                <a:latin typeface="Helvetica LT Std" panose="020B0504020202020204" pitchFamily="34" charset="0"/>
+              </a:rPr>
+              <a:t> qui redirige vers le fichier de </a:t>
+            </a:r>
+            <a:r>
+              <a:rPr lang="fr-FR" sz="3500" dirty="0" err="1" smtClean="0">
+                <a:latin typeface="Helvetica LT Std" panose="020B0504020202020204" pitchFamily="34" charset="0"/>
+              </a:rPr>
+              <a:t>routing</a:t>
+            </a:r>
+            <a:endParaRPr lang="fr-FR" sz="3500" dirty="0" smtClean="0">
+              <a:latin typeface="Helvetica LT Std" panose="020B0504020202020204" pitchFamily="34" charset="0"/>
+            </a:endParaRPr>
+          </a:p>
+          <a:p>
+            <a:endParaRPr lang="fr-FR" sz="3500" dirty="0">
+              <a:latin typeface="Helvetica LT Std" panose="020B0504020202020204" pitchFamily="34" charset="0"/>
+            </a:endParaRPr>
+          </a:p>
+          <a:p>
+            <a:r>
+              <a:rPr lang="fr-FR" sz="3500" dirty="0" smtClean="0">
+                <a:latin typeface="Helvetica LT Std" panose="020B0504020202020204" pitchFamily="34" charset="0"/>
+              </a:rPr>
+              <a:t>Chargement du contrôleur adéquat</a:t>
+            </a:r>
+          </a:p>
+          <a:p>
+            <a:endParaRPr lang="fr-FR" sz="3500" dirty="0">
+              <a:latin typeface="Helvetica LT Std" panose="020B0504020202020204" pitchFamily="34" charset="0"/>
+            </a:endParaRPr>
+          </a:p>
+          <a:p>
+            <a:r>
+              <a:rPr lang="fr-FR" sz="3500" dirty="0" smtClean="0">
+                <a:latin typeface="Helvetica LT Std" panose="020B0504020202020204" pitchFamily="34" charset="0"/>
+              </a:rPr>
+              <a:t>Réécriture d’URL</a:t>
+            </a:r>
+            <a:endParaRPr lang="fr-FR" sz="3500" dirty="0">
+              <a:latin typeface="Helvetica LT Std" panose="020B0504020202020204" pitchFamily="34" charset="0"/>
+            </a:endParaRPr>
+          </a:p>
+        </p:txBody>
+      </p:sp>
+      <p:sp>
+        <p:nvSpPr>
+          <p:cNvPr id="3" name="Rectangle 2"/>
+          <p:cNvSpPr/>
+          <p:nvPr/>
+        </p:nvSpPr>
+        <p:spPr>
+          <a:xfrm flipV="1">
+            <a:off x="0" y="1034925"/>
+            <a:ext cx="12192000" cy="47505"/>
+          </a:xfrm>
+          <a:prstGeom prst="rect">
+            <a:avLst/>
+          </a:prstGeom>
+        </p:spPr>
+        <p:style>
+          <a:lnRef idx="1">
+            <a:schemeClr val="accent3"/>
+          </a:lnRef>
+          <a:fillRef idx="3">
+            <a:schemeClr val="accent3"/>
+          </a:fillRef>
+          <a:effectRef idx="2">
+            <a:schemeClr val="accent3"/>
+          </a:effectRef>
+          <a:fontRef idx="minor">
+            <a:schemeClr val="lt1"/>
+          </a:fontRef>
+        </p:style>
+        <p:txBody>
+          <a:bodyPr rtlCol="0" anchor="ctr"/>
+          <a:lstStyle/>
+          <a:p>
+            <a:pPr algn="ctr"/>
+            <a:endParaRPr lang="fr-FR"/>
+          </a:p>
+        </p:txBody>
+      </p:sp>
+    </p:spTree>
+    <p:extLst>
+      <p:ext uri="{BB962C8B-B14F-4D97-AF65-F5344CB8AC3E}">
+        <p14:creationId xmlns:p14="http://schemas.microsoft.com/office/powerpoint/2010/main" val="3791510033"/>
+      </p:ext>
+    </p:extLst>
+  </p:cSld>
+  <p:clrMapOvr>
+    <a:masterClrMapping/>
+  </p:clrMapOvr>
+  <mc:AlternateContent xmlns:mc="http://schemas.openxmlformats.org/markup-compatibility/2006">
+    <mc:Choice xmlns:p15="http://schemas.microsoft.com/office/powerpoint/2012/main" xmlns="" Requires="p15">
+      <p:transition xmlns:p14="http://schemas.microsoft.com/office/powerpoint/2010/main" spd="slow" p14:dur="2000">
+        <p15:prstTrans prst="fracture"/>
+      </p:transition>
+    </mc:Choice>
+    <mc:Fallback>
+      <p:transition spd="slow">
+        <p:fade/>
+      </p:transition>
+    </mc:Fallback>
+  </mc:AlternateContent>
+  <p:timing>
+    <p:tnLst>
+      <p:par>
+        <p:cTn id="1" dur="indefinite" restart="never" nodeType="tmRoot"/>
+      </p:par>
+    </p:tnLst>
+  </p:timing>
+</p:sld>
+</file>
+
+<file path=ppt/slides/slide4.xml><?xml version="1.0" encoding="utf-8"?>
+<p:sld xmlns:a="http://schemas.openxmlformats.org/drawingml/2006/main" xmlns:r="http://schemas.openxmlformats.org/officeDocument/2006/relationships" xmlns:p="http://schemas.openxmlformats.org/presentationml/2006/main">
+  <p:cSld>
+    <p:spTree>
+      <p:nvGrpSpPr>
+        <p:cNvPr id="1" name=""/>
+        <p:cNvGrpSpPr/>
+        <p:nvPr/>
+      </p:nvGrpSpPr>
+      <p:grpSpPr>
+        <a:xfrm>
+          <a:off x="0" y="0"/>
+          <a:ext cx="0" cy="0"/>
+          <a:chOff x="0" y="0"/>
+          <a:chExt cx="0" cy="0"/>
+        </a:xfrm>
+      </p:grpSpPr>
+      <p:sp>
+        <p:nvSpPr>
+          <p:cNvPr id="2" name="Title 1"/>
+          <p:cNvSpPr>
+            <a:spLocks noGrp="1"/>
+          </p:cNvSpPr>
+          <p:nvPr>
+            <p:ph type="title"/>
+          </p:nvPr>
+        </p:nvSpPr>
+        <p:spPr>
+          <a:xfrm>
+            <a:off x="0" y="0"/>
+            <a:ext cx="12192000" cy="1034925"/>
+          </a:xfrm>
+        </p:spPr>
+        <p:txBody>
+          <a:bodyPr>
+            <a:normAutofit/>
+          </a:bodyPr>
+          <a:lstStyle/>
+          <a:p>
+            <a:pPr algn="ctr"/>
+            <a:r>
+              <a:rPr lang="fr-FR" sz="5500" dirty="0" smtClean="0">
+                <a:latin typeface="Helvetica LT Std" panose="020B0504020202020204" pitchFamily="34" charset="0"/>
+              </a:rPr>
+              <a:t>Controller</a:t>
+            </a:r>
+            <a:endParaRPr lang="fr-FR" sz="5500" dirty="0">
+              <a:latin typeface="Helvetica LT Std" panose="020B0504020202020204" pitchFamily="34" charset="0"/>
+            </a:endParaRPr>
+          </a:p>
+        </p:txBody>
+      </p:sp>
+      <p:sp>
+        <p:nvSpPr>
+          <p:cNvPr id="4" name="Content Placeholder 3"/>
+          <p:cNvSpPr>
+            <a:spLocks noGrp="1"/>
+          </p:cNvSpPr>
+          <p:nvPr>
+            <p:ph idx="1"/>
+          </p:nvPr>
+        </p:nvSpPr>
+        <p:spPr>
+          <a:xfrm>
+            <a:off x="845127" y="1626920"/>
+            <a:ext cx="10515600" cy="4553218"/>
+          </a:xfrm>
+        </p:spPr>
+        <p:txBody>
+          <a:bodyPr>
+            <a:normAutofit/>
+          </a:bodyPr>
+          <a:lstStyle/>
+          <a:p>
+            <a:r>
+              <a:rPr lang="fr-FR" sz="3500" dirty="0" smtClean="0">
+                <a:latin typeface="Helvetica LT Std" panose="020B0504020202020204" pitchFamily="34" charset="0"/>
+              </a:rPr>
+              <a:t>Effectue les traitements</a:t>
+            </a:r>
+          </a:p>
+          <a:p>
+            <a:endParaRPr lang="fr-FR" sz="3500" dirty="0">
+              <a:latin typeface="Helvetica LT Std" panose="020B0504020202020204" pitchFamily="34" charset="0"/>
+            </a:endParaRPr>
+          </a:p>
+          <a:p>
+            <a:r>
+              <a:rPr lang="fr-FR" sz="3500" dirty="0" smtClean="0">
+                <a:latin typeface="Helvetica LT Std" panose="020B0504020202020204" pitchFamily="34" charset="0"/>
+              </a:rPr>
+              <a:t>Charge la </a:t>
+            </a:r>
+            <a:r>
+              <a:rPr lang="fr-FR" sz="3500" dirty="0" err="1" smtClean="0">
+                <a:latin typeface="Helvetica LT Std" panose="020B0504020202020204" pitchFamily="34" charset="0"/>
+              </a:rPr>
+              <a:t>view</a:t>
+            </a:r>
+            <a:r>
+              <a:rPr lang="fr-FR" sz="3500" dirty="0" smtClean="0">
+                <a:latin typeface="Helvetica LT Std" panose="020B0504020202020204" pitchFamily="34" charset="0"/>
+              </a:rPr>
+              <a:t> souhaité</a:t>
+            </a:r>
+          </a:p>
+          <a:p>
+            <a:endParaRPr lang="fr-FR" sz="3500" dirty="0">
+              <a:latin typeface="Helvetica LT Std" panose="020B0504020202020204" pitchFamily="34" charset="0"/>
+            </a:endParaRPr>
+          </a:p>
+          <a:p>
+            <a:r>
+              <a:rPr lang="fr-FR" sz="3500" dirty="0" smtClean="0">
+                <a:latin typeface="Helvetica LT Std" panose="020B0504020202020204" pitchFamily="34" charset="0"/>
+              </a:rPr>
+              <a:t>Passage de variables à la vue si nécessaire</a:t>
+            </a:r>
+            <a:endParaRPr lang="fr-FR" sz="3500" dirty="0">
+              <a:latin typeface="Helvetica LT Std" panose="020B0504020202020204" pitchFamily="34" charset="0"/>
+            </a:endParaRPr>
+          </a:p>
+        </p:txBody>
+      </p:sp>
+      <p:sp>
+        <p:nvSpPr>
+          <p:cNvPr id="3" name="Rectangle 2"/>
+          <p:cNvSpPr/>
+          <p:nvPr/>
+        </p:nvSpPr>
+        <p:spPr>
+          <a:xfrm flipV="1">
+            <a:off x="0" y="1034925"/>
+            <a:ext cx="12192000" cy="47505"/>
+          </a:xfrm>
+          <a:prstGeom prst="rect">
+            <a:avLst/>
+          </a:prstGeom>
+        </p:spPr>
+        <p:style>
+          <a:lnRef idx="1">
+            <a:schemeClr val="accent3"/>
+          </a:lnRef>
+          <a:fillRef idx="3">
+            <a:schemeClr val="accent3"/>
+          </a:fillRef>
+          <a:effectRef idx="2">
+            <a:schemeClr val="accent3"/>
+          </a:effectRef>
+          <a:fontRef idx="minor">
+            <a:schemeClr val="lt1"/>
+          </a:fontRef>
+        </p:style>
+        <p:txBody>
+          <a:bodyPr rtlCol="0" anchor="ctr"/>
+          <a:lstStyle/>
+          <a:p>
+            <a:pPr algn="ctr"/>
+            <a:endParaRPr lang="fr-FR"/>
+          </a:p>
+        </p:txBody>
+      </p:sp>
+    </p:spTree>
+    <p:extLst>
+      <p:ext uri="{BB962C8B-B14F-4D97-AF65-F5344CB8AC3E}">
+        <p14:creationId xmlns:p14="http://schemas.microsoft.com/office/powerpoint/2010/main" val="3555662286"/>
+      </p:ext>
+    </p:extLst>
+  </p:cSld>
+  <p:clrMapOvr>
+    <a:masterClrMapping/>
+  </p:clrMapOvr>
+  <mc:AlternateContent xmlns:mc="http://schemas.openxmlformats.org/markup-compatibility/2006">
+    <mc:Choice xmlns:p15="http://schemas.microsoft.com/office/powerpoint/2012/main" xmlns="" Requires="p15">
+      <p:transition xmlns:p14="http://schemas.microsoft.com/office/powerpoint/2010/main" spd="slow" p14:dur="2000">
+        <p15:prstTrans prst="fracture"/>
+      </p:transition>
+    </mc:Choice>
+    <mc:Fallback>
+      <p:transition spd="slow">
+        <p:fade/>
+      </p:transition>
+    </mc:Fallback>
+  </mc:AlternateContent>
+  <p:timing>
+    <p:tnLst>
+      <p:par>
+        <p:cTn id="1" dur="indefinite" restart="never" nodeType="tmRoot"/>
+      </p:par>
+    </p:tnLst>
+  </p:timing>
+</p:sld>
+</file>
+
+<file path=ppt/slides/slide5.xml><?xml version="1.0" encoding="utf-8"?>
+<p:sld xmlns:a="http://schemas.openxmlformats.org/drawingml/2006/main" xmlns:r="http://schemas.openxmlformats.org/officeDocument/2006/relationships" xmlns:p="http://schemas.openxmlformats.org/presentationml/2006/main">
+  <p:cSld>
+    <p:spTree>
+      <p:nvGrpSpPr>
+        <p:cNvPr id="1" name=""/>
+        <p:cNvGrpSpPr/>
+        <p:nvPr/>
+      </p:nvGrpSpPr>
+      <p:grpSpPr>
+        <a:xfrm>
+          <a:off x="0" y="0"/>
+          <a:ext cx="0" cy="0"/>
+          <a:chOff x="0" y="0"/>
+          <a:chExt cx="0" cy="0"/>
+        </a:xfrm>
+      </p:grpSpPr>
+      <p:sp>
+        <p:nvSpPr>
+          <p:cNvPr id="2" name="Title 1"/>
+          <p:cNvSpPr>
+            <a:spLocks noGrp="1"/>
+          </p:cNvSpPr>
+          <p:nvPr>
+            <p:ph type="title"/>
+          </p:nvPr>
+        </p:nvSpPr>
+        <p:spPr>
+          <a:xfrm>
+            <a:off x="0" y="0"/>
+            <a:ext cx="12192000" cy="1034925"/>
+          </a:xfrm>
+        </p:spPr>
+        <p:txBody>
+          <a:bodyPr>
+            <a:normAutofit/>
+          </a:bodyPr>
+          <a:lstStyle/>
+          <a:p>
+            <a:pPr algn="ctr"/>
+            <a:r>
+              <a:rPr lang="fr-FR" sz="5500" dirty="0" err="1" smtClean="0">
+                <a:latin typeface="Helvetica LT Std" panose="020B0504020202020204" pitchFamily="34" charset="0"/>
+              </a:rPr>
+              <a:t>View</a:t>
+            </a:r>
+            <a:endParaRPr lang="fr-FR" sz="5500" dirty="0">
+              <a:latin typeface="Helvetica LT Std" panose="020B0504020202020204" pitchFamily="34" charset="0"/>
+            </a:endParaRPr>
+          </a:p>
+        </p:txBody>
+      </p:sp>
+      <p:sp>
+        <p:nvSpPr>
+          <p:cNvPr id="4" name="Content Placeholder 3"/>
+          <p:cNvSpPr>
+            <a:spLocks noGrp="1"/>
+          </p:cNvSpPr>
+          <p:nvPr>
+            <p:ph idx="1"/>
+          </p:nvPr>
+        </p:nvSpPr>
+        <p:spPr>
+          <a:xfrm>
+            <a:off x="845127" y="1626920"/>
+            <a:ext cx="10515600" cy="4553218"/>
+          </a:xfrm>
+        </p:spPr>
+        <p:txBody>
+          <a:bodyPr>
+            <a:normAutofit/>
+          </a:bodyPr>
+          <a:lstStyle/>
+          <a:p>
+            <a:r>
+              <a:rPr lang="fr-FR" sz="3500" dirty="0" smtClean="0">
+                <a:latin typeface="Helvetica LT Std" panose="020B0504020202020204" pitchFamily="34" charset="0"/>
+              </a:rPr>
+              <a:t>Chargé de l’affichage de </a:t>
+            </a:r>
+            <a:r>
+              <a:rPr lang="fr-FR" sz="3500" dirty="0" smtClean="0">
+                <a:latin typeface="Helvetica LT Std" panose="020B0504020202020204" pitchFamily="34" charset="0"/>
+              </a:rPr>
+              <a:t>l’information</a:t>
+            </a:r>
+          </a:p>
+          <a:p>
+            <a:pPr marL="0" indent="0">
+              <a:buNone/>
+            </a:pPr>
+            <a:endParaRPr lang="fr-FR" sz="3500" dirty="0" smtClean="0">
+              <a:latin typeface="Helvetica LT Std" panose="020B0504020202020204" pitchFamily="34" charset="0"/>
+            </a:endParaRPr>
+          </a:p>
+          <a:p>
+            <a:r>
+              <a:rPr lang="fr-FR" sz="3500" dirty="0" smtClean="0">
+                <a:latin typeface="Helvetica LT Std" panose="020B0504020202020204" pitchFamily="34" charset="0"/>
+              </a:rPr>
+              <a:t>Transmet les actions de l’utilisateur</a:t>
+            </a:r>
+            <a:endParaRPr lang="fr-FR" sz="3500" dirty="0">
+              <a:latin typeface="Helvetica LT Std" panose="020B0504020202020204" pitchFamily="34" charset="0"/>
+            </a:endParaRPr>
+          </a:p>
+        </p:txBody>
+      </p:sp>
+      <p:sp>
+        <p:nvSpPr>
+          <p:cNvPr id="3" name="Rectangle 2"/>
+          <p:cNvSpPr/>
+          <p:nvPr/>
+        </p:nvSpPr>
+        <p:spPr>
+          <a:xfrm flipV="1">
+            <a:off x="0" y="1034925"/>
+            <a:ext cx="12192000" cy="47505"/>
+          </a:xfrm>
+          <a:prstGeom prst="rect">
+            <a:avLst/>
+          </a:prstGeom>
+        </p:spPr>
+        <p:style>
+          <a:lnRef idx="1">
+            <a:schemeClr val="accent3"/>
+          </a:lnRef>
+          <a:fillRef idx="3">
+            <a:schemeClr val="accent3"/>
+          </a:fillRef>
+          <a:effectRef idx="2">
+            <a:schemeClr val="accent3"/>
+          </a:effectRef>
+          <a:fontRef idx="minor">
+            <a:schemeClr val="lt1"/>
+          </a:fontRef>
+        </p:style>
+        <p:txBody>
+          <a:bodyPr rtlCol="0" anchor="ctr"/>
+          <a:lstStyle/>
+          <a:p>
+            <a:pPr algn="ctr"/>
+            <a:endParaRPr lang="fr-FR"/>
+          </a:p>
+        </p:txBody>
+      </p:sp>
+    </p:spTree>
+    <p:extLst>
+      <p:ext uri="{BB962C8B-B14F-4D97-AF65-F5344CB8AC3E}">
+        <p14:creationId xmlns:p14="http://schemas.microsoft.com/office/powerpoint/2010/main" val="1094218145"/>
+      </p:ext>
+    </p:extLst>
+  </p:cSld>
+  <p:clrMapOvr>
+    <a:masterClrMapping/>
+  </p:clrMapOvr>
+  <mc:AlternateContent xmlns:mc="http://schemas.openxmlformats.org/markup-compatibility/2006">
+    <mc:Choice xmlns:p15="http://schemas.microsoft.com/office/powerpoint/2012/main" xmlns="" Requires="p15">
+      <p:transition xmlns:p14="http://schemas.microsoft.com/office/powerpoint/2010/main" spd="slow" p14:dur="2000">
+        <p15:prstTrans prst="fracture"/>
+      </p:transition>
+    </mc:Choice>
+    <mc:Fallback>
+      <p:transition spd="slow">
+        <p:fade/>
+      </p:transition>
+    </mc:Fallback>
+  </mc:AlternateContent>
+  <p:timing>
+    <p:tnLst>
+      <p:par>
+        <p:cTn id="1" dur="indefinite" restart="never" nodeType="tmRoot"/>
+      </p:par>
+    </p:tnLst>
+  </p:timing>
+</p:sld>
+</file>
+
+<file path=ppt/slides/slide6.xml><?xml version="1.0" encoding="utf-8"?>
+<p:sld xmlns:a="http://schemas.openxmlformats.org/drawingml/2006/main" xmlns:r="http://schemas.openxmlformats.org/officeDocument/2006/relationships" xmlns:p="http://schemas.openxmlformats.org/presentationml/2006/main">
+  <p:cSld>
+    <p:spTree>
+      <p:nvGrpSpPr>
+        <p:cNvPr id="1" name=""/>
+        <p:cNvGrpSpPr/>
+        <p:nvPr/>
+      </p:nvGrpSpPr>
+      <p:grpSpPr>
+        <a:xfrm>
+          <a:off x="0" y="0"/>
+          <a:ext cx="0" cy="0"/>
+          <a:chOff x="0" y="0"/>
+          <a:chExt cx="0" cy="0"/>
+        </a:xfrm>
+      </p:grpSpPr>
+      <p:sp>
+        <p:nvSpPr>
+          <p:cNvPr id="2" name="Title 1"/>
+          <p:cNvSpPr>
+            <a:spLocks noGrp="1"/>
+          </p:cNvSpPr>
+          <p:nvPr>
+            <p:ph type="title"/>
+          </p:nvPr>
+        </p:nvSpPr>
+        <p:spPr>
+          <a:xfrm>
+            <a:off x="0" y="0"/>
+            <a:ext cx="12192000" cy="1034925"/>
+          </a:xfrm>
+        </p:spPr>
+        <p:txBody>
+          <a:bodyPr>
+            <a:normAutofit/>
+          </a:bodyPr>
+          <a:lstStyle/>
+          <a:p>
+            <a:pPr algn="ctr"/>
+            <a:r>
+              <a:rPr lang="fr-FR" sz="5500" dirty="0">
+                <a:latin typeface="Helvetica LT Std" panose="020B0504020202020204" pitchFamily="34" charset="0"/>
+              </a:rPr>
+              <a:t>Model &amp; Data Access Object</a:t>
+            </a:r>
+            <a:endParaRPr lang="fr-FR" sz="5500" dirty="0">
+              <a:latin typeface="Helvetica LT Std" panose="020B0504020202020204" pitchFamily="34" charset="0"/>
+            </a:endParaRPr>
+          </a:p>
+        </p:txBody>
+      </p:sp>
+      <p:sp>
+        <p:nvSpPr>
+          <p:cNvPr id="4" name="Content Placeholder 3"/>
+          <p:cNvSpPr>
+            <a:spLocks noGrp="1"/>
+          </p:cNvSpPr>
+          <p:nvPr>
+            <p:ph idx="1"/>
+          </p:nvPr>
+        </p:nvSpPr>
+        <p:spPr>
+          <a:xfrm>
+            <a:off x="845127" y="1626920"/>
+            <a:ext cx="10515600" cy="4553218"/>
+          </a:xfrm>
+        </p:spPr>
+        <p:txBody>
+          <a:bodyPr>
+            <a:normAutofit/>
+          </a:bodyPr>
+          <a:lstStyle/>
+          <a:p>
+            <a:r>
+              <a:rPr lang="fr-FR" sz="3500" dirty="0" smtClean="0">
+                <a:latin typeface="Helvetica LT Std" panose="020B0504020202020204" pitchFamily="34" charset="0"/>
+              </a:rPr>
+              <a:t>Le Model est constitué </a:t>
+            </a:r>
+            <a:r>
+              <a:rPr lang="fr-FR" sz="3500" dirty="0" smtClean="0">
+                <a:latin typeface="Helvetica LT Std" panose="020B0504020202020204" pitchFamily="34" charset="0"/>
+              </a:rPr>
+              <a:t>des classes </a:t>
+            </a:r>
+            <a:r>
+              <a:rPr lang="fr-FR" sz="3500" dirty="0" smtClean="0">
+                <a:latin typeface="Helvetica LT Std" panose="020B0504020202020204" pitchFamily="34" charset="0"/>
+              </a:rPr>
+              <a:t>métiers</a:t>
+            </a:r>
+          </a:p>
+          <a:p>
+            <a:endParaRPr lang="fr-FR" sz="3500" dirty="0">
+              <a:latin typeface="Helvetica LT Std" panose="020B0504020202020204" pitchFamily="34" charset="0"/>
+            </a:endParaRPr>
+          </a:p>
+          <a:p>
+            <a:r>
+              <a:rPr lang="fr-FR" sz="3500" dirty="0" smtClean="0">
+                <a:latin typeface="Helvetica LT Std" panose="020B0504020202020204" pitchFamily="34" charset="0"/>
+              </a:rPr>
+              <a:t>Le DAO est chargé </a:t>
+            </a:r>
+            <a:r>
+              <a:rPr lang="fr-FR" sz="3500" dirty="0">
+                <a:latin typeface="Helvetica LT Std" panose="020B0504020202020204" pitchFamily="34" charset="0"/>
+              </a:rPr>
+              <a:t>de faire le lien entre </a:t>
+            </a:r>
+            <a:r>
+              <a:rPr lang="fr-FR" sz="3500" dirty="0" smtClean="0">
+                <a:latin typeface="Helvetica LT Std" panose="020B0504020202020204" pitchFamily="34" charset="0"/>
+              </a:rPr>
+              <a:t>contrôleur et BDD</a:t>
+            </a:r>
+          </a:p>
+          <a:p>
+            <a:endParaRPr lang="fr-FR" sz="3500" dirty="0">
+              <a:latin typeface="Helvetica LT Std" panose="020B0504020202020204" pitchFamily="34" charset="0"/>
+            </a:endParaRPr>
+          </a:p>
+          <a:p>
+            <a:r>
+              <a:rPr lang="fr-FR" sz="3500" dirty="0" smtClean="0">
+                <a:latin typeface="Helvetica LT Std" panose="020B0504020202020204" pitchFamily="34" charset="0"/>
+              </a:rPr>
+              <a:t>Les méthodes d’un DAO prennent en paramètres des objets de classe métier</a:t>
+            </a:r>
+          </a:p>
+          <a:p>
+            <a:endParaRPr lang="fr-FR" sz="3500" dirty="0">
+              <a:latin typeface="Helvetica LT Std" panose="020B0504020202020204" pitchFamily="34" charset="0"/>
+            </a:endParaRPr>
+          </a:p>
+        </p:txBody>
+      </p:sp>
+      <p:sp>
+        <p:nvSpPr>
+          <p:cNvPr id="3" name="Rectangle 2"/>
+          <p:cNvSpPr/>
+          <p:nvPr/>
+        </p:nvSpPr>
+        <p:spPr>
+          <a:xfrm flipV="1">
+            <a:off x="0" y="1034925"/>
+            <a:ext cx="12192000" cy="47505"/>
+          </a:xfrm>
+          <a:prstGeom prst="rect">
+            <a:avLst/>
+          </a:prstGeom>
+        </p:spPr>
+        <p:style>
+          <a:lnRef idx="1">
+            <a:schemeClr val="accent3"/>
+          </a:lnRef>
+          <a:fillRef idx="3">
+            <a:schemeClr val="accent3"/>
+          </a:fillRef>
+          <a:effectRef idx="2">
+            <a:schemeClr val="accent3"/>
+          </a:effectRef>
+          <a:fontRef idx="minor">
+            <a:schemeClr val="lt1"/>
+          </a:fontRef>
+        </p:style>
+        <p:txBody>
+          <a:bodyPr rtlCol="0" anchor="ctr"/>
+          <a:lstStyle/>
+          <a:p>
+            <a:pPr algn="ctr"/>
+            <a:endParaRPr lang="fr-FR"/>
+          </a:p>
+        </p:txBody>
+      </p:sp>
+    </p:spTree>
+    <p:extLst>
+      <p:ext uri="{BB962C8B-B14F-4D97-AF65-F5344CB8AC3E}">
+        <p14:creationId xmlns:p14="http://schemas.microsoft.com/office/powerpoint/2010/main" val="556326957"/>
+      </p:ext>
+    </p:extLst>
+  </p:cSld>
+  <p:clrMapOvr>
+    <a:masterClrMapping/>
+  </p:clrMapOvr>
+  <mc:AlternateContent xmlns:mc="http://schemas.openxmlformats.org/markup-compatibility/2006">
+    <mc:Choice xmlns:p15="http://schemas.microsoft.com/office/powerpoint/2012/main" xmlns="" Requires="p15">
+      <p:transition xmlns:p14="http://schemas.microsoft.com/office/powerpoint/2010/main" spd="slow" p14:dur="2000">
+        <p15:prstTrans prst="fracture"/>
+      </p:transition>
+    </mc:Choice>
+    <mc:Fallback>
+      <p:transition spd="slow">
+        <p:fade/>
+      </p:transition>
+    </mc:Fallback>
+  </mc:AlternateContent>
+  <p:timing>
+    <p:tnLst>
+      <p:par>
+        <p:cTn id="1" dur="indefinite" restart="never" nodeType="tmRoot"/>
+      </p:par>
+    </p:tnLst>
+  </p:timing>
+</p:sld>
+</file>
+
+<file path=ppt/slides/slide7.xml><?xml version="1.0" encoding="utf-8"?>
+<p:sld xmlns:a="http://schemas.openxmlformats.org/drawingml/2006/main" xmlns:r="http://schemas.openxmlformats.org/officeDocument/2006/relationships" xmlns:p="http://schemas.openxmlformats.org/presentationml/2006/main">
+  <p:cSld>
+    <p:spTree>
+      <p:nvGrpSpPr>
+        <p:cNvPr id="1" name=""/>
+        <p:cNvGrpSpPr/>
+        <p:nvPr/>
+      </p:nvGrpSpPr>
+      <p:grpSpPr>
+        <a:xfrm>
+          <a:off x="0" y="0"/>
+          <a:ext cx="0" cy="0"/>
+          <a:chOff x="0" y="0"/>
+          <a:chExt cx="0" cy="0"/>
+        </a:xfrm>
+      </p:grpSpPr>
+      <p:sp>
+        <p:nvSpPr>
+          <p:cNvPr id="2" name="Title 1"/>
+          <p:cNvSpPr>
+            <a:spLocks noGrp="1"/>
+          </p:cNvSpPr>
+          <p:nvPr>
+            <p:ph type="title"/>
+          </p:nvPr>
+        </p:nvSpPr>
+        <p:spPr>
+          <a:xfrm>
+            <a:off x="0" y="0"/>
+            <a:ext cx="12192000" cy="1034925"/>
+          </a:xfrm>
+        </p:spPr>
+        <p:txBody>
+          <a:bodyPr>
+            <a:normAutofit/>
+          </a:bodyPr>
+          <a:lstStyle/>
+          <a:p>
+            <a:pPr algn="ctr"/>
+            <a:r>
+              <a:rPr lang="fr-FR" sz="5500" dirty="0" err="1" smtClean="0">
+                <a:latin typeface="Helvetica LT Std" panose="020B0504020202020204" pitchFamily="34" charset="0"/>
+              </a:rPr>
+              <a:t>Libraries</a:t>
+            </a:r>
+            <a:endParaRPr lang="fr-FR" sz="5500" dirty="0">
+              <a:latin typeface="Helvetica LT Std" panose="020B0504020202020204" pitchFamily="34" charset="0"/>
+            </a:endParaRPr>
+          </a:p>
+        </p:txBody>
+      </p:sp>
+      <p:sp>
+        <p:nvSpPr>
+          <p:cNvPr id="4" name="Content Placeholder 3"/>
+          <p:cNvSpPr>
+            <a:spLocks noGrp="1"/>
+          </p:cNvSpPr>
+          <p:nvPr>
+            <p:ph idx="1"/>
+          </p:nvPr>
+        </p:nvSpPr>
+        <p:spPr>
+          <a:xfrm>
+            <a:off x="845127" y="1626920"/>
+            <a:ext cx="10515600" cy="4553218"/>
+          </a:xfrm>
+        </p:spPr>
+        <p:txBody>
+          <a:bodyPr>
+            <a:normAutofit/>
+          </a:bodyPr>
+          <a:lstStyle/>
+          <a:p>
+            <a:r>
+              <a:rPr lang="fr-FR" sz="3500" dirty="0" smtClean="0">
+                <a:latin typeface="Helvetica LT Std" panose="020B0504020202020204" pitchFamily="34" charset="0"/>
+              </a:rPr>
+              <a:t>Il s’agit de classes génériques :</a:t>
+            </a:r>
+          </a:p>
+          <a:p>
+            <a:pPr lvl="1"/>
+            <a:endParaRPr lang="fr-FR" sz="3100" dirty="0" smtClean="0">
+              <a:latin typeface="Helvetica LT Std" panose="020B0504020202020204" pitchFamily="34" charset="0"/>
+            </a:endParaRPr>
+          </a:p>
+          <a:p>
+            <a:pPr lvl="1"/>
+            <a:r>
+              <a:rPr lang="fr-FR" sz="3100" dirty="0" smtClean="0">
+                <a:latin typeface="Helvetica LT Std" panose="020B0504020202020204" pitchFamily="34" charset="0"/>
+              </a:rPr>
+              <a:t>Classe « </a:t>
+            </a:r>
+            <a:r>
+              <a:rPr lang="fr-FR" sz="3100" dirty="0" err="1" smtClean="0">
+                <a:latin typeface="Helvetica LT Std" panose="020B0504020202020204" pitchFamily="34" charset="0"/>
+              </a:rPr>
+              <a:t>helper</a:t>
+            </a:r>
+            <a:r>
+              <a:rPr lang="fr-FR" sz="3100" dirty="0" smtClean="0">
+                <a:latin typeface="Helvetica LT Std" panose="020B0504020202020204" pitchFamily="34" charset="0"/>
+              </a:rPr>
+              <a:t> » comme Collection, Formulaire, …</a:t>
+            </a:r>
+          </a:p>
+          <a:p>
+            <a:pPr lvl="1"/>
+            <a:endParaRPr lang="fr-FR" sz="3100" dirty="0" smtClean="0">
+              <a:latin typeface="Helvetica LT Std" panose="020B0504020202020204" pitchFamily="34" charset="0"/>
+            </a:endParaRPr>
+          </a:p>
+          <a:p>
+            <a:pPr lvl="1"/>
+            <a:r>
+              <a:rPr lang="fr-FR" sz="3100" dirty="0" smtClean="0">
+                <a:latin typeface="Helvetica LT Std" panose="020B0504020202020204" pitchFamily="34" charset="0"/>
+              </a:rPr>
+              <a:t>Classe mère comme Controller, </a:t>
+            </a:r>
+            <a:r>
+              <a:rPr lang="fr-FR" sz="3100" dirty="0" err="1" smtClean="0">
+                <a:latin typeface="Helvetica LT Std" panose="020B0504020202020204" pitchFamily="34" charset="0"/>
+              </a:rPr>
+              <a:t>View</a:t>
+            </a:r>
+            <a:r>
+              <a:rPr lang="fr-FR" sz="3100" dirty="0" smtClean="0">
+                <a:latin typeface="Helvetica LT Std" panose="020B0504020202020204" pitchFamily="34" charset="0"/>
+              </a:rPr>
+              <a:t>, …</a:t>
+            </a:r>
+          </a:p>
+          <a:p>
+            <a:endParaRPr lang="fr-FR" sz="3500" dirty="0">
+              <a:latin typeface="Helvetica LT Std" panose="020B0504020202020204" pitchFamily="34" charset="0"/>
+            </a:endParaRPr>
+          </a:p>
+        </p:txBody>
+      </p:sp>
+      <p:sp>
+        <p:nvSpPr>
+          <p:cNvPr id="3" name="Rectangle 2"/>
+          <p:cNvSpPr/>
+          <p:nvPr/>
+        </p:nvSpPr>
+        <p:spPr>
+          <a:xfrm flipV="1">
+            <a:off x="0" y="1034925"/>
+            <a:ext cx="12192000" cy="47505"/>
+          </a:xfrm>
+          <a:prstGeom prst="rect">
+            <a:avLst/>
+          </a:prstGeom>
+        </p:spPr>
+        <p:style>
+          <a:lnRef idx="1">
+            <a:schemeClr val="accent3"/>
+          </a:lnRef>
+          <a:fillRef idx="3">
+            <a:schemeClr val="accent3"/>
+          </a:fillRef>
+          <a:effectRef idx="2">
+            <a:schemeClr val="accent3"/>
+          </a:effectRef>
+          <a:fontRef idx="minor">
+            <a:schemeClr val="lt1"/>
+          </a:fontRef>
+        </p:style>
+        <p:txBody>
+          <a:bodyPr rtlCol="0" anchor="ctr"/>
+          <a:lstStyle/>
+          <a:p>
+            <a:pPr algn="ctr"/>
+            <a:endParaRPr lang="fr-FR"/>
+          </a:p>
+        </p:txBody>
+      </p:sp>
+    </p:spTree>
+    <p:extLst>
+      <p:ext uri="{BB962C8B-B14F-4D97-AF65-F5344CB8AC3E}">
+        <p14:creationId xmlns:p14="http://schemas.microsoft.com/office/powerpoint/2010/main" val="2441412915"/>
+      </p:ext>
+    </p:extLst>
+  </p:cSld>
+  <p:clrMapOvr>
+    <a:masterClrMapping/>
+  </p:clrMapOvr>
+  <mc:AlternateContent xmlns:mc="http://schemas.openxmlformats.org/markup-compatibility/2006">
+    <mc:Choice xmlns:p15="http://schemas.microsoft.com/office/powerpoint/2012/main" xmlns="" Requires="p15">
+      <p:transition xmlns:p14="http://schemas.microsoft.com/office/powerpoint/2010/main" spd="slow" p14:dur="2000">
+        <p15:prstTrans prst="fracture"/>
+      </p:transition>
+    </mc:Choice>
+    <mc:Fallback>
+      <p:transition spd="slow">
+        <p:fade/>
+      </p:transition>
+    </mc:Fallback>
+  </mc:AlternateContent>
+  <p:timing>
+    <p:tnLst>
+      <p:par>
+        <p:cTn id="1" dur="indefinite" restart="never" nodeType="tmRoot"/>
+      </p:par>
+    </p:tnLst>
+  </p:timing>
+</p:sld>
+</file>
+
+<file path=ppt/slides/slide8.xml><?xml version="1.0" encoding="utf-8"?>
+<p:sld xmlns:a="http://schemas.openxmlformats.org/drawingml/2006/main" xmlns:r="http://schemas.openxmlformats.org/officeDocument/2006/relationships" xmlns:p="http://schemas.openxmlformats.org/presentationml/2006/main">
+  <p:cSld>
+    <p:spTree>
+      <p:nvGrpSpPr>
+        <p:cNvPr id="1" name=""/>
+        <p:cNvGrpSpPr/>
+        <p:nvPr/>
+      </p:nvGrpSpPr>
+      <p:grpSpPr>
+        <a:xfrm>
+          <a:off x="0" y="0"/>
+          <a:ext cx="0" cy="0"/>
+          <a:chOff x="0" y="0"/>
+          <a:chExt cx="0" cy="0"/>
+        </a:xfrm>
+      </p:grpSpPr>
+      <p:sp>
+        <p:nvSpPr>
+          <p:cNvPr id="2" name="Title 1"/>
+          <p:cNvSpPr>
+            <a:spLocks noGrp="1"/>
+          </p:cNvSpPr>
+          <p:nvPr>
+            <p:ph type="title"/>
+          </p:nvPr>
+        </p:nvSpPr>
+        <p:spPr>
+          <a:xfrm>
+            <a:off x="0" y="0"/>
+            <a:ext cx="12192000" cy="1034925"/>
+          </a:xfrm>
+        </p:spPr>
+        <p:txBody>
+          <a:bodyPr>
+            <a:normAutofit/>
+          </a:bodyPr>
+          <a:lstStyle/>
+          <a:p>
+            <a:pPr algn="ctr"/>
+            <a:r>
+              <a:rPr lang="fr-FR" sz="5500" dirty="0" err="1">
+                <a:latin typeface="Helvetica LT Std" panose="020B0504020202020204" pitchFamily="34" charset="0"/>
+              </a:rPr>
+              <a:t>Miscellaneous</a:t>
+            </a:r>
+            <a:endParaRPr lang="fr-FR" sz="5500" dirty="0">
+              <a:latin typeface="Helvetica LT Std" panose="020B0504020202020204" pitchFamily="34" charset="0"/>
+            </a:endParaRPr>
+          </a:p>
+        </p:txBody>
+      </p:sp>
+      <p:sp>
+        <p:nvSpPr>
+          <p:cNvPr id="4" name="Content Placeholder 3"/>
+          <p:cNvSpPr>
+            <a:spLocks noGrp="1"/>
+          </p:cNvSpPr>
+          <p:nvPr>
+            <p:ph idx="1"/>
+          </p:nvPr>
+        </p:nvSpPr>
+        <p:spPr>
+          <a:xfrm>
+            <a:off x="845127" y="1626920"/>
+            <a:ext cx="10515600" cy="4553218"/>
+          </a:xfrm>
+        </p:spPr>
+        <p:txBody>
+          <a:bodyPr>
+            <a:normAutofit/>
+          </a:bodyPr>
+          <a:lstStyle/>
+          <a:p>
+            <a:r>
+              <a:rPr lang="fr-FR" sz="3500" dirty="0" smtClean="0">
+                <a:latin typeface="Helvetica LT Std" panose="020B0504020202020204" pitchFamily="34" charset="0"/>
+              </a:rPr>
+              <a:t>Il s’agit de tous les autres composants :</a:t>
+            </a:r>
+          </a:p>
+          <a:p>
+            <a:pPr lvl="1"/>
+            <a:r>
+              <a:rPr lang="fr-FR" sz="3100" dirty="0" smtClean="0">
+                <a:latin typeface="Helvetica LT Std" panose="020B0504020202020204" pitchFamily="34" charset="0"/>
+              </a:rPr>
+              <a:t>Font, images, fichiers </a:t>
+            </a:r>
+            <a:r>
+              <a:rPr lang="fr-FR" sz="3100" dirty="0" err="1" smtClean="0">
+                <a:latin typeface="Helvetica LT Std" panose="020B0504020202020204" pitchFamily="34" charset="0"/>
+              </a:rPr>
+              <a:t>js</a:t>
+            </a:r>
+            <a:r>
+              <a:rPr lang="fr-FR" sz="3100" dirty="0" smtClean="0">
+                <a:latin typeface="Helvetica LT Std" panose="020B0504020202020204" pitchFamily="34" charset="0"/>
+              </a:rPr>
+              <a:t>, fichier config, </a:t>
+            </a:r>
+            <a:r>
+              <a:rPr lang="fr-FR" sz="3100" dirty="0" err="1" smtClean="0">
+                <a:latin typeface="Helvetica LT Std" panose="020B0504020202020204" pitchFamily="34" charset="0"/>
+              </a:rPr>
+              <a:t>css</a:t>
+            </a:r>
+            <a:r>
+              <a:rPr lang="fr-FR" sz="3100" dirty="0" smtClean="0">
+                <a:latin typeface="Helvetica LT Std" panose="020B0504020202020204" pitchFamily="34" charset="0"/>
+              </a:rPr>
+              <a:t>, utilities</a:t>
+            </a:r>
+          </a:p>
+          <a:p>
+            <a:endParaRPr lang="fr-FR" sz="3500" dirty="0" smtClean="0">
+              <a:latin typeface="Helvetica LT Std" panose="020B0504020202020204" pitchFamily="34" charset="0"/>
+            </a:endParaRPr>
+          </a:p>
+          <a:p>
+            <a:r>
+              <a:rPr lang="fr-FR" sz="3500" dirty="0" smtClean="0">
+                <a:latin typeface="Helvetica LT Std" panose="020B0504020202020204" pitchFamily="34" charset="0"/>
+              </a:rPr>
+              <a:t>Les fichiers </a:t>
+            </a:r>
+            <a:r>
+              <a:rPr lang="fr-FR" sz="3500" dirty="0" err="1" smtClean="0">
+                <a:latin typeface="Helvetica LT Std" panose="020B0504020202020204" pitchFamily="34" charset="0"/>
+              </a:rPr>
+              <a:t>js</a:t>
+            </a:r>
+            <a:r>
+              <a:rPr lang="fr-FR" sz="3500" dirty="0" smtClean="0">
+                <a:latin typeface="Helvetica LT Std" panose="020B0504020202020204" pitchFamily="34" charset="0"/>
+              </a:rPr>
+              <a:t> nous permettent notamment d’utiliser </a:t>
+            </a:r>
+            <a:r>
+              <a:rPr lang="fr-FR" sz="3500" dirty="0" err="1" smtClean="0">
+                <a:latin typeface="Helvetica LT Std" panose="020B0504020202020204" pitchFamily="34" charset="0"/>
+              </a:rPr>
+              <a:t>ajax</a:t>
+            </a:r>
+            <a:endParaRPr lang="fr-FR" sz="3500" dirty="0" smtClean="0">
+              <a:latin typeface="Helvetica LT Std" panose="020B0504020202020204" pitchFamily="34" charset="0"/>
+            </a:endParaRPr>
+          </a:p>
+          <a:p>
+            <a:endParaRPr lang="fr-FR" sz="3500" dirty="0">
+              <a:latin typeface="Helvetica LT Std" panose="020B0504020202020204" pitchFamily="34" charset="0"/>
+            </a:endParaRPr>
+          </a:p>
+          <a:p>
+            <a:r>
+              <a:rPr lang="fr-FR" sz="3500" dirty="0" smtClean="0">
+                <a:latin typeface="Helvetica LT Std" panose="020B0504020202020204" pitchFamily="34" charset="0"/>
+              </a:rPr>
+              <a:t>Le fichier de config permet de redéfinir </a:t>
+            </a:r>
+            <a:r>
+              <a:rPr lang="fr-FR" sz="3500" dirty="0" err="1" smtClean="0">
+                <a:latin typeface="Helvetica LT Std" panose="020B0504020202020204" pitchFamily="34" charset="0"/>
+              </a:rPr>
+              <a:t>rapidemment</a:t>
+            </a:r>
+            <a:r>
+              <a:rPr lang="fr-FR" sz="3500" dirty="0" smtClean="0">
+                <a:latin typeface="Helvetica LT Std" panose="020B0504020202020204" pitchFamily="34" charset="0"/>
+              </a:rPr>
+              <a:t> la connexion BDD</a:t>
+            </a:r>
+            <a:endParaRPr lang="fr-FR" sz="3500" dirty="0">
+              <a:latin typeface="Helvetica LT Std" panose="020B0504020202020204" pitchFamily="34" charset="0"/>
+            </a:endParaRPr>
+          </a:p>
+        </p:txBody>
+      </p:sp>
+      <p:sp>
+        <p:nvSpPr>
+          <p:cNvPr id="3" name="Rectangle 2"/>
+          <p:cNvSpPr/>
+          <p:nvPr/>
+        </p:nvSpPr>
+        <p:spPr>
+          <a:xfrm flipV="1">
+            <a:off x="0" y="1034925"/>
+            <a:ext cx="12192000" cy="47505"/>
+          </a:xfrm>
+          <a:prstGeom prst="rect">
+            <a:avLst/>
+          </a:prstGeom>
+        </p:spPr>
+        <p:style>
+          <a:lnRef idx="1">
+            <a:schemeClr val="accent3"/>
+          </a:lnRef>
+          <a:fillRef idx="3">
+            <a:schemeClr val="accent3"/>
+          </a:fillRef>
+          <a:effectRef idx="2">
+            <a:schemeClr val="accent3"/>
+          </a:effectRef>
+          <a:fontRef idx="minor">
+            <a:schemeClr val="lt1"/>
+          </a:fontRef>
+        </p:style>
+        <p:txBody>
+          <a:bodyPr rtlCol="0" anchor="ctr"/>
+          <a:lstStyle/>
+          <a:p>
+            <a:pPr algn="ctr"/>
+            <a:endParaRPr lang="fr-FR"/>
+          </a:p>
+        </p:txBody>
+      </p:sp>
+    </p:spTree>
+    <p:extLst>
+      <p:ext uri="{BB962C8B-B14F-4D97-AF65-F5344CB8AC3E}">
+        <p14:creationId xmlns:p14="http://schemas.microsoft.com/office/powerpoint/2010/main" val="1890223664"/>
+      </p:ext>
+    </p:extLst>
+  </p:cSld>
+  <p:clrMapOvr>
+    <a:masterClrMapping/>
+  </p:clrMapOvr>
+  <mc:AlternateContent xmlns:mc="http://schemas.openxmlformats.org/markup-compatibility/2006">
+    <mc:Choice xmlns:p15="http://schemas.microsoft.com/office/powerpoint/2012/main" xmlns="" Requires="p15">
+      <p:transition xmlns:p14="http://schemas.microsoft.com/office/powerpoint/2010/main" spd="slow" p14:dur="2000">
+        <p15:prstTrans prst="fracture"/>
+      </p:transition>
+    </mc:Choice>
+    <mc:Fallback>
+      <p:transition spd="slow">
+        <p:fade/>
+      </p:transition>
+    </mc:Fallback>
+  </mc:AlternateContent>
+  <p:timing>
+    <p:tnLst>
+      <p:par>
+        <p:cTn id="1" dur="indefinite" restart="never" nodeType="tmRoot"/>
+      </p:par>
+    </p:tnLst>
+  </p:timing>
+</p:sld>
+</file>
+
+<file path=ppt/slides/slide9.xml><?xml version="1.0" encoding="utf-8"?>
 <p:sld xmlns:a="http://schemas.openxmlformats.org/drawingml/2006/main" xmlns:r="http://schemas.openxmlformats.org/officeDocument/2006/relationships" xmlns:p="http://schemas.openxmlformats.org/presentationml/2006/main">
   <p:cSld>
     <p:spTree>
@@ -4272,32 +6213,6 @@
       </p:sp>
       <p:sp>
         <p:nvSpPr>
-          <p:cNvPr id="5" name="Text Placeholder 4"/>
-          <p:cNvSpPr>
-            <a:spLocks noGrp="1"/>
-          </p:cNvSpPr>
-          <p:nvPr>
-            <p:ph type="body" idx="1"/>
-          </p:nvPr>
-        </p:nvSpPr>
-        <p:spPr>
-          <a:xfrm>
-            <a:off x="831850" y="5959270"/>
-            <a:ext cx="10515600" cy="590171"/>
-          </a:xfrm>
-        </p:spPr>
-        <p:txBody>
-          <a:bodyPr/>
-          <a:lstStyle/>
-          <a:p>
-            <a:endParaRPr lang="fr-FR" dirty="0">
-              <a:latin typeface="Helvetica LT Std" panose="020B0504020202020204" pitchFamily="34" charset="0"/>
-            </a:endParaRPr>
-          </a:p>
-        </p:txBody>
-      </p:sp>
-      <p:sp>
-        <p:nvSpPr>
           <p:cNvPr id="6" name="Rectangle 5"/>
           <p:cNvSpPr/>
           <p:nvPr/>
@@ -4447,1800 +6362,7 @@
     <a:masterClrMapping/>
   </p:clrMapOvr>
   <mc:AlternateContent xmlns:mc="http://schemas.openxmlformats.org/markup-compatibility/2006">
-    <mc:Choice xmlns:p15="http://schemas.microsoft.com/office/powerpoint/2012/main" Requires="p15">
-      <p:transition xmlns:p14="http://schemas.microsoft.com/office/powerpoint/2010/main" spd="slow" p14:dur="2000">
-        <p15:prstTrans prst="fracture"/>
-      </p:transition>
-    </mc:Choice>
-    <mc:Fallback>
-      <p:transition spd="slow">
-        <p:fade/>
-      </p:transition>
-    </mc:Fallback>
-  </mc:AlternateContent>
-  <p:timing>
-    <p:tnLst>
-      <p:par>
-        <p:cTn id="1" dur="indefinite" restart="never" nodeType="tmRoot"/>
-      </p:par>
-    </p:tnLst>
-  </p:timing>
-</p:sld>
-</file>
-
-<file path=ppt/slides/slide11.xml><?xml version="1.0" encoding="utf-8"?>
-<p:sld xmlns:a="http://schemas.openxmlformats.org/drawingml/2006/main" xmlns:r="http://schemas.openxmlformats.org/officeDocument/2006/relationships" xmlns:p="http://schemas.openxmlformats.org/presentationml/2006/main">
-  <p:cSld>
-    <p:spTree>
-      <p:nvGrpSpPr>
-        <p:cNvPr id="1" name=""/>
-        <p:cNvGrpSpPr/>
-        <p:nvPr/>
-      </p:nvGrpSpPr>
-      <p:grpSpPr>
-        <a:xfrm>
-          <a:off x="0" y="0"/>
-          <a:ext cx="0" cy="0"/>
-          <a:chOff x="0" y="0"/>
-          <a:chExt cx="0" cy="0"/>
-        </a:xfrm>
-      </p:grpSpPr>
-      <p:sp>
-        <p:nvSpPr>
-          <p:cNvPr id="2" name="Title 1"/>
-          <p:cNvSpPr>
-            <a:spLocks noGrp="1"/>
-          </p:cNvSpPr>
-          <p:nvPr>
-            <p:ph type="title"/>
-          </p:nvPr>
-        </p:nvSpPr>
-        <p:spPr>
-          <a:xfrm>
-            <a:off x="0" y="0"/>
-            <a:ext cx="12192000" cy="1034925"/>
-          </a:xfrm>
-        </p:spPr>
-        <p:txBody>
-          <a:bodyPr>
-            <a:normAutofit/>
-          </a:bodyPr>
-          <a:lstStyle/>
-          <a:p>
-            <a:pPr algn="ctr"/>
-            <a:r>
-              <a:rPr lang="fr-FR" sz="5500" dirty="0" smtClean="0">
-                <a:latin typeface="Helvetica LT Std" panose="020B0504020202020204" pitchFamily="34" charset="0"/>
-              </a:rPr>
-              <a:t>Améliorations possibles</a:t>
-            </a:r>
-            <a:endParaRPr lang="fr-FR" sz="5500" dirty="0">
-              <a:latin typeface="Helvetica LT Std" panose="020B0504020202020204" pitchFamily="34" charset="0"/>
-            </a:endParaRPr>
-          </a:p>
-        </p:txBody>
-      </p:sp>
-      <p:sp>
-        <p:nvSpPr>
-          <p:cNvPr id="4" name="Content Placeholder 3"/>
-          <p:cNvSpPr>
-            <a:spLocks noGrp="1"/>
-          </p:cNvSpPr>
-          <p:nvPr>
-            <p:ph idx="1"/>
-          </p:nvPr>
-        </p:nvSpPr>
-        <p:spPr>
-          <a:xfrm>
-            <a:off x="845127" y="1626920"/>
-            <a:ext cx="10515600" cy="4553218"/>
-          </a:xfrm>
-        </p:spPr>
-        <p:txBody>
-          <a:bodyPr>
-            <a:normAutofit/>
-          </a:bodyPr>
-          <a:lstStyle/>
-          <a:p>
-            <a:r>
-              <a:rPr lang="fr-FR" sz="3500" dirty="0" err="1" smtClean="0">
-                <a:latin typeface="Helvetica LT Std" panose="020B0504020202020204" pitchFamily="34" charset="0"/>
-              </a:rPr>
-              <a:t>Factory</a:t>
-            </a:r>
-            <a:r>
-              <a:rPr lang="fr-FR" sz="3500" dirty="0" smtClean="0">
-                <a:latin typeface="Helvetica LT Std" panose="020B0504020202020204" pitchFamily="34" charset="0"/>
-              </a:rPr>
-              <a:t> de </a:t>
-            </a:r>
-            <a:r>
-              <a:rPr lang="fr-FR" sz="3500" dirty="0" err="1" smtClean="0">
-                <a:latin typeface="Helvetica LT Std" panose="020B0504020202020204" pitchFamily="34" charset="0"/>
-              </a:rPr>
-              <a:t>DAOs</a:t>
-            </a:r>
-            <a:endParaRPr lang="fr-FR" sz="3500" dirty="0" smtClean="0">
-              <a:latin typeface="Helvetica LT Std" panose="020B0504020202020204" pitchFamily="34" charset="0"/>
-            </a:endParaRPr>
-          </a:p>
-          <a:p>
-            <a:r>
-              <a:rPr lang="fr-FR" sz="3500" dirty="0" smtClean="0">
-                <a:latin typeface="Helvetica LT Std" panose="020B0504020202020204" pitchFamily="34" charset="0"/>
-              </a:rPr>
-              <a:t>Réorganisation des </a:t>
-            </a:r>
-            <a:r>
-              <a:rPr lang="fr-FR" sz="3500" dirty="0" err="1" smtClean="0">
-                <a:latin typeface="Helvetica LT Std" panose="020B0504020202020204" pitchFamily="34" charset="0"/>
-              </a:rPr>
-              <a:t>controllers</a:t>
-            </a:r>
-            <a:endParaRPr lang="fr-FR" sz="3500" dirty="0" smtClean="0">
-              <a:latin typeface="Helvetica LT Std" panose="020B0504020202020204" pitchFamily="34" charset="0"/>
-            </a:endParaRPr>
-          </a:p>
-          <a:p>
-            <a:endParaRPr lang="fr-FR" sz="3500" dirty="0">
-              <a:latin typeface="Helvetica LT Std" panose="020B0504020202020204" pitchFamily="34" charset="0"/>
-            </a:endParaRPr>
-          </a:p>
-        </p:txBody>
-      </p:sp>
-      <p:sp>
-        <p:nvSpPr>
-          <p:cNvPr id="3" name="Rectangle 2"/>
-          <p:cNvSpPr/>
-          <p:nvPr/>
-        </p:nvSpPr>
-        <p:spPr>
-          <a:xfrm flipV="1">
-            <a:off x="0" y="1034925"/>
-            <a:ext cx="12192000" cy="47505"/>
-          </a:xfrm>
-          <a:prstGeom prst="rect">
-            <a:avLst/>
-          </a:prstGeom>
-        </p:spPr>
-        <p:style>
-          <a:lnRef idx="1">
-            <a:schemeClr val="accent4"/>
-          </a:lnRef>
-          <a:fillRef idx="3">
-            <a:schemeClr val="accent4"/>
-          </a:fillRef>
-          <a:effectRef idx="2">
-            <a:schemeClr val="accent4"/>
-          </a:effectRef>
-          <a:fontRef idx="minor">
-            <a:schemeClr val="lt1"/>
-          </a:fontRef>
-        </p:style>
-        <p:txBody>
-          <a:bodyPr rtlCol="0" anchor="ctr"/>
-          <a:lstStyle/>
-          <a:p>
-            <a:pPr algn="ctr"/>
-            <a:endParaRPr lang="fr-FR"/>
-          </a:p>
-        </p:txBody>
-      </p:sp>
-    </p:spTree>
-    <p:extLst>
-      <p:ext uri="{BB962C8B-B14F-4D97-AF65-F5344CB8AC3E}">
-        <p14:creationId xmlns:p14="http://schemas.microsoft.com/office/powerpoint/2010/main" val="2022790434"/>
-      </p:ext>
-    </p:extLst>
-  </p:cSld>
-  <p:clrMapOvr>
-    <a:masterClrMapping/>
-  </p:clrMapOvr>
-  <mc:AlternateContent xmlns:mc="http://schemas.openxmlformats.org/markup-compatibility/2006">
-    <mc:Choice xmlns:p15="http://schemas.microsoft.com/office/powerpoint/2012/main" Requires="p15">
-      <p:transition xmlns:p14="http://schemas.microsoft.com/office/powerpoint/2010/main" spd="slow" p14:dur="2000">
-        <p15:prstTrans prst="fracture"/>
-      </p:transition>
-    </mc:Choice>
-    <mc:Fallback>
-      <p:transition spd="slow">
-        <p:fade/>
-      </p:transition>
-    </mc:Fallback>
-  </mc:AlternateContent>
-  <p:timing>
-    <p:tnLst>
-      <p:par>
-        <p:cTn id="1" dur="indefinite" restart="never" nodeType="tmRoot"/>
-      </p:par>
-    </p:tnLst>
-  </p:timing>
-</p:sld>
-</file>
-
-<file path=ppt/slides/slide12.xml><?xml version="1.0" encoding="utf-8"?>
-<p:sld xmlns:a="http://schemas.openxmlformats.org/drawingml/2006/main" xmlns:r="http://schemas.openxmlformats.org/officeDocument/2006/relationships" xmlns:p="http://schemas.openxmlformats.org/presentationml/2006/main">
-  <p:cSld>
-    <p:spTree>
-      <p:nvGrpSpPr>
-        <p:cNvPr id="1" name=""/>
-        <p:cNvGrpSpPr/>
-        <p:nvPr/>
-      </p:nvGrpSpPr>
-      <p:grpSpPr>
-        <a:xfrm>
-          <a:off x="0" y="0"/>
-          <a:ext cx="0" cy="0"/>
-          <a:chOff x="0" y="0"/>
-          <a:chExt cx="0" cy="0"/>
-        </a:xfrm>
-      </p:grpSpPr>
-      <p:sp>
-        <p:nvSpPr>
-          <p:cNvPr id="2" name="Title 1"/>
-          <p:cNvSpPr>
-            <a:spLocks noGrp="1"/>
-          </p:cNvSpPr>
-          <p:nvPr>
-            <p:ph type="title"/>
-          </p:nvPr>
-        </p:nvSpPr>
-        <p:spPr>
-          <a:xfrm>
-            <a:off x="0" y="0"/>
-            <a:ext cx="12192000" cy="1034925"/>
-          </a:xfrm>
-        </p:spPr>
-        <p:txBody>
-          <a:bodyPr>
-            <a:normAutofit/>
-          </a:bodyPr>
-          <a:lstStyle/>
-          <a:p>
-            <a:pPr algn="ctr"/>
-            <a:r>
-              <a:rPr lang="fr-FR" sz="5500" dirty="0" smtClean="0">
-                <a:latin typeface="Helvetica LT Std" panose="020B0504020202020204" pitchFamily="34" charset="0"/>
-              </a:rPr>
-              <a:t>Points positifs</a:t>
-            </a:r>
-            <a:endParaRPr lang="fr-FR" sz="5500" dirty="0">
-              <a:latin typeface="Helvetica LT Std" panose="020B0504020202020204" pitchFamily="34" charset="0"/>
-            </a:endParaRPr>
-          </a:p>
-        </p:txBody>
-      </p:sp>
-      <p:sp>
-        <p:nvSpPr>
-          <p:cNvPr id="4" name="Content Placeholder 3"/>
-          <p:cNvSpPr>
-            <a:spLocks noGrp="1"/>
-          </p:cNvSpPr>
-          <p:nvPr>
-            <p:ph idx="1"/>
-          </p:nvPr>
-        </p:nvSpPr>
-        <p:spPr>
-          <a:xfrm>
-            <a:off x="845127" y="1626920"/>
-            <a:ext cx="10515600" cy="4553218"/>
-          </a:xfrm>
-        </p:spPr>
-        <p:txBody>
-          <a:bodyPr>
-            <a:normAutofit/>
-          </a:bodyPr>
-          <a:lstStyle/>
-          <a:p>
-            <a:r>
-              <a:rPr lang="fr-FR" sz="3500" dirty="0" smtClean="0">
-                <a:latin typeface="Helvetica LT Std" panose="020B0504020202020204" pitchFamily="34" charset="0"/>
-              </a:rPr>
-              <a:t>Bonne compartimentation du code</a:t>
-            </a:r>
-          </a:p>
-          <a:p>
-            <a:r>
-              <a:rPr lang="fr-FR" sz="3500" dirty="0" smtClean="0">
-                <a:latin typeface="Helvetica LT Std" panose="020B0504020202020204" pitchFamily="34" charset="0"/>
-              </a:rPr>
-              <a:t>Classes très génériques, réutilisation facile.</a:t>
-            </a:r>
-          </a:p>
-          <a:p>
-            <a:endParaRPr lang="fr-FR" sz="3500" dirty="0" smtClean="0">
-              <a:latin typeface="Helvetica LT Std" panose="020B0504020202020204" pitchFamily="34" charset="0"/>
-            </a:endParaRPr>
-          </a:p>
-          <a:p>
-            <a:endParaRPr lang="fr-FR" sz="3500" dirty="0" smtClean="0">
-              <a:latin typeface="Helvetica LT Std" panose="020B0504020202020204" pitchFamily="34" charset="0"/>
-            </a:endParaRPr>
-          </a:p>
-          <a:p>
-            <a:endParaRPr lang="fr-FR" sz="3500" dirty="0">
-              <a:latin typeface="Helvetica LT Std" panose="020B0504020202020204" pitchFamily="34" charset="0"/>
-            </a:endParaRPr>
-          </a:p>
-        </p:txBody>
-      </p:sp>
-      <p:sp>
-        <p:nvSpPr>
-          <p:cNvPr id="3" name="Rectangle 2"/>
-          <p:cNvSpPr/>
-          <p:nvPr/>
-        </p:nvSpPr>
-        <p:spPr>
-          <a:xfrm flipV="1">
-            <a:off x="0" y="1034925"/>
-            <a:ext cx="12192000" cy="47505"/>
-          </a:xfrm>
-          <a:prstGeom prst="rect">
-            <a:avLst/>
-          </a:prstGeom>
-        </p:spPr>
-        <p:style>
-          <a:lnRef idx="1">
-            <a:schemeClr val="accent4"/>
-          </a:lnRef>
-          <a:fillRef idx="3">
-            <a:schemeClr val="accent4"/>
-          </a:fillRef>
-          <a:effectRef idx="2">
-            <a:schemeClr val="accent4"/>
-          </a:effectRef>
-          <a:fontRef idx="minor">
-            <a:schemeClr val="lt1"/>
-          </a:fontRef>
-        </p:style>
-        <p:txBody>
-          <a:bodyPr rtlCol="0" anchor="ctr"/>
-          <a:lstStyle/>
-          <a:p>
-            <a:pPr algn="ctr"/>
-            <a:endParaRPr lang="fr-FR"/>
-          </a:p>
-        </p:txBody>
-      </p:sp>
-    </p:spTree>
-    <p:extLst>
-      <p:ext uri="{BB962C8B-B14F-4D97-AF65-F5344CB8AC3E}">
-        <p14:creationId xmlns:p14="http://schemas.microsoft.com/office/powerpoint/2010/main" val="2239238940"/>
-      </p:ext>
-    </p:extLst>
-  </p:cSld>
-  <p:clrMapOvr>
-    <a:masterClrMapping/>
-  </p:clrMapOvr>
-  <mc:AlternateContent xmlns:mc="http://schemas.openxmlformats.org/markup-compatibility/2006">
-    <mc:Choice xmlns:p15="http://schemas.microsoft.com/office/powerpoint/2012/main" Requires="p15">
-      <p:transition xmlns:p14="http://schemas.microsoft.com/office/powerpoint/2010/main" spd="slow" p14:dur="2000">
-        <p15:prstTrans prst="fracture"/>
-      </p:transition>
-    </mc:Choice>
-    <mc:Fallback>
-      <p:transition spd="slow">
-        <p:fade/>
-      </p:transition>
-    </mc:Fallback>
-  </mc:AlternateContent>
-  <p:timing>
-    <p:tnLst>
-      <p:par>
-        <p:cTn id="1" dur="indefinite" restart="never" nodeType="tmRoot"/>
-      </p:par>
-    </p:tnLst>
-  </p:timing>
-</p:sld>
-</file>
-
-<file path=ppt/slides/slide2.xml><?xml version="1.0" encoding="utf-8"?>
-<p:sld xmlns:a="http://schemas.openxmlformats.org/drawingml/2006/main" xmlns:r="http://schemas.openxmlformats.org/officeDocument/2006/relationships" xmlns:p="http://schemas.openxmlformats.org/presentationml/2006/main">
-  <p:cSld>
-    <p:spTree>
-      <p:nvGrpSpPr>
-        <p:cNvPr id="1" name=""/>
-        <p:cNvGrpSpPr/>
-        <p:nvPr/>
-      </p:nvGrpSpPr>
-      <p:grpSpPr>
-        <a:xfrm>
-          <a:off x="0" y="0"/>
-          <a:ext cx="0" cy="0"/>
-          <a:chOff x="0" y="0"/>
-          <a:chExt cx="0" cy="0"/>
-        </a:xfrm>
-      </p:grpSpPr>
-      <p:sp>
-        <p:nvSpPr>
-          <p:cNvPr id="4" name="Title 3"/>
-          <p:cNvSpPr>
-            <a:spLocks noGrp="1"/>
-          </p:cNvSpPr>
-          <p:nvPr>
-            <p:ph type="title"/>
-          </p:nvPr>
-        </p:nvSpPr>
-        <p:spPr>
-          <a:xfrm>
-            <a:off x="831850" y="4700491"/>
-            <a:ext cx="10515600" cy="997527"/>
-          </a:xfrm>
-        </p:spPr>
-        <p:txBody>
-          <a:bodyPr/>
-          <a:lstStyle/>
-          <a:p>
-            <a:r>
-              <a:rPr lang="fr-FR" dirty="0" smtClean="0">
-                <a:latin typeface="Helvetica LT Std" panose="020B0504020202020204" pitchFamily="34" charset="0"/>
-              </a:rPr>
-              <a:t>1 – Structure générale</a:t>
-            </a:r>
-            <a:endParaRPr lang="fr-FR" dirty="0">
-              <a:latin typeface="Helvetica LT Std" panose="020B0504020202020204" pitchFamily="34" charset="0"/>
-            </a:endParaRPr>
-          </a:p>
-        </p:txBody>
-      </p:sp>
-      <p:sp>
-        <p:nvSpPr>
-          <p:cNvPr id="5" name="Text Placeholder 4"/>
-          <p:cNvSpPr>
-            <a:spLocks noGrp="1"/>
-          </p:cNvSpPr>
-          <p:nvPr>
-            <p:ph type="body" idx="1"/>
-          </p:nvPr>
-        </p:nvSpPr>
-        <p:spPr>
-          <a:xfrm>
-            <a:off x="831850" y="5959270"/>
-            <a:ext cx="10515600" cy="590171"/>
-          </a:xfrm>
-        </p:spPr>
-        <p:txBody>
-          <a:bodyPr/>
-          <a:lstStyle/>
-          <a:p>
-            <a:endParaRPr lang="fr-FR" dirty="0">
-              <a:latin typeface="Helvetica LT Std" panose="020B0504020202020204" pitchFamily="34" charset="0"/>
-            </a:endParaRPr>
-          </a:p>
-        </p:txBody>
-      </p:sp>
-      <p:sp>
-        <p:nvSpPr>
-          <p:cNvPr id="6" name="Rectangle 5"/>
-          <p:cNvSpPr/>
-          <p:nvPr/>
-        </p:nvSpPr>
-        <p:spPr>
-          <a:xfrm flipV="1">
-            <a:off x="831850" y="5698015"/>
-            <a:ext cx="10515600" cy="190004"/>
-          </a:xfrm>
-          <a:prstGeom prst="rect">
-            <a:avLst/>
-          </a:prstGeom>
-        </p:spPr>
-        <p:style>
-          <a:lnRef idx="1">
-            <a:schemeClr val="accent3"/>
-          </a:lnRef>
-          <a:fillRef idx="3">
-            <a:schemeClr val="accent3"/>
-          </a:fillRef>
-          <a:effectRef idx="2">
-            <a:schemeClr val="accent3"/>
-          </a:effectRef>
-          <a:fontRef idx="minor">
-            <a:schemeClr val="lt1"/>
-          </a:fontRef>
-        </p:style>
-        <p:txBody>
-          <a:bodyPr rtlCol="0" anchor="ctr"/>
-          <a:lstStyle/>
-          <a:p>
-            <a:pPr algn="ctr"/>
-            <a:endParaRPr lang="fr-FR"/>
-          </a:p>
-        </p:txBody>
-      </p:sp>
-      <p:pic>
-        <p:nvPicPr>
-          <p:cNvPr id="2" name="Picture 1"/>
-          <p:cNvPicPr>
-            <a:picLocks noChangeAspect="1"/>
-          </p:cNvPicPr>
-          <p:nvPr/>
-        </p:nvPicPr>
-        <p:blipFill>
-          <a:blip r:embed="rId2" cstate="print">
-            <a:extLst>
-              <a:ext uri="{BEBA8EAE-BF5A-486C-A8C5-ECC9F3942E4B}">
-                <a14:imgProps xmlns:a14="http://schemas.microsoft.com/office/drawing/2010/main">
-                  <a14:imgLayer r:embed="rId3">
-                    <a14:imgEffect>
-                      <a14:brightnessContrast bright="-20000" contrast="20000"/>
-                    </a14:imgEffect>
-                  </a14:imgLayer>
-                </a14:imgProps>
-              </a:ext>
-              <a:ext uri="{28A0092B-C50C-407E-A947-70E740481C1C}">
-                <a14:useLocalDpi xmlns:a14="http://schemas.microsoft.com/office/drawing/2010/main" val="0"/>
-              </a:ext>
-            </a:extLst>
-          </a:blip>
-          <a:stretch>
-            <a:fillRect/>
-          </a:stretch>
-        </p:blipFill>
-        <p:spPr>
-          <a:xfrm>
-            <a:off x="959370" y="215445"/>
-            <a:ext cx="10237223" cy="4398805"/>
-          </a:xfrm>
-          <a:prstGeom prst="rect">
-            <a:avLst/>
-          </a:prstGeom>
-        </p:spPr>
-      </p:pic>
-      <p:sp>
-        <p:nvSpPr>
-          <p:cNvPr id="13" name="TextBox 12"/>
-          <p:cNvSpPr txBox="1"/>
-          <p:nvPr/>
-        </p:nvSpPr>
-        <p:spPr>
-          <a:xfrm>
-            <a:off x="1116622" y="-8493"/>
-            <a:ext cx="439678" cy="754053"/>
-          </a:xfrm>
-          <a:prstGeom prst="rect">
-            <a:avLst/>
-          </a:prstGeom>
-        </p:spPr>
-        <p:style>
-          <a:lnRef idx="1">
-            <a:schemeClr val="accent3"/>
-          </a:lnRef>
-          <a:fillRef idx="3">
-            <a:schemeClr val="accent3"/>
-          </a:fillRef>
-          <a:effectRef idx="2">
-            <a:schemeClr val="accent3"/>
-          </a:effectRef>
-          <a:fontRef idx="minor">
-            <a:schemeClr val="lt1"/>
-          </a:fontRef>
-        </p:style>
-        <p:txBody>
-          <a:bodyPr wrap="square" rtlCol="0" anchor="b">
-            <a:spAutoFit/>
-          </a:bodyPr>
-          <a:lstStyle/>
-          <a:p>
-            <a:endParaRPr lang="fr-FR" dirty="0"/>
-          </a:p>
-          <a:p>
-            <a:pPr algn="ctr"/>
-            <a:r>
-              <a:rPr lang="fr-FR" sz="2500" dirty="0" smtClean="0">
-                <a:latin typeface="Helvetica LT Std Black" panose="020B0904030502020204" pitchFamily="34" charset="0"/>
-              </a:rPr>
-              <a:t>1</a:t>
-            </a:r>
-            <a:endParaRPr lang="fr-FR" sz="2500" dirty="0">
-              <a:latin typeface="Helvetica LT Std Black" panose="020B0904030502020204" pitchFamily="34" charset="0"/>
-            </a:endParaRPr>
-          </a:p>
-        </p:txBody>
-      </p:sp>
-      <p:sp>
-        <p:nvSpPr>
-          <p:cNvPr id="14" name="TextBox 13"/>
-          <p:cNvSpPr txBox="1"/>
-          <p:nvPr/>
-        </p:nvSpPr>
-        <p:spPr>
-          <a:xfrm>
-            <a:off x="1848900" y="-329527"/>
-            <a:ext cx="439678" cy="754053"/>
-          </a:xfrm>
-          <a:prstGeom prst="rect">
-            <a:avLst/>
-          </a:prstGeom>
-        </p:spPr>
-        <p:style>
-          <a:lnRef idx="1">
-            <a:schemeClr val="accent4"/>
-          </a:lnRef>
-          <a:fillRef idx="3">
-            <a:schemeClr val="accent4"/>
-          </a:fillRef>
-          <a:effectRef idx="2">
-            <a:schemeClr val="accent4"/>
-          </a:effectRef>
-          <a:fontRef idx="minor">
-            <a:schemeClr val="lt1"/>
-          </a:fontRef>
-        </p:style>
-        <p:txBody>
-          <a:bodyPr wrap="square" rtlCol="0" anchor="b">
-            <a:spAutoFit/>
-          </a:bodyPr>
-          <a:lstStyle/>
-          <a:p>
-            <a:endParaRPr lang="fr-FR" dirty="0"/>
-          </a:p>
-          <a:p>
-            <a:pPr algn="ctr"/>
-            <a:r>
-              <a:rPr lang="fr-FR" sz="2500" dirty="0" smtClean="0">
-                <a:latin typeface="Helvetica LT Std Black" panose="020B0904030502020204" pitchFamily="34" charset="0"/>
-              </a:rPr>
-              <a:t>2</a:t>
-            </a:r>
-            <a:endParaRPr lang="fr-FR" sz="2500" dirty="0">
-              <a:latin typeface="Helvetica LT Std Black" panose="020B0904030502020204" pitchFamily="34" charset="0"/>
-            </a:endParaRPr>
-          </a:p>
-        </p:txBody>
-      </p:sp>
-    </p:spTree>
-    <p:extLst>
-      <p:ext uri="{BB962C8B-B14F-4D97-AF65-F5344CB8AC3E}">
-        <p14:creationId xmlns:p14="http://schemas.microsoft.com/office/powerpoint/2010/main" val="655872967"/>
-      </p:ext>
-    </p:extLst>
-  </p:cSld>
-  <p:clrMapOvr>
-    <a:masterClrMapping/>
-  </p:clrMapOvr>
-  <mc:AlternateContent xmlns:mc="http://schemas.openxmlformats.org/markup-compatibility/2006">
-    <mc:Choice xmlns:p15="http://schemas.microsoft.com/office/powerpoint/2012/main" Requires="p15">
-      <p:transition xmlns:p14="http://schemas.microsoft.com/office/powerpoint/2010/main" spd="slow" p14:dur="2000">
-        <p15:prstTrans prst="fracture"/>
-      </p:transition>
-    </mc:Choice>
-    <mc:Fallback>
-      <p:transition spd="slow">
-        <p:fade/>
-      </p:transition>
-    </mc:Fallback>
-  </mc:AlternateContent>
-  <p:timing>
-    <p:tnLst>
-      <p:par>
-        <p:cTn id="1" dur="indefinite" restart="never" nodeType="tmRoot"/>
-      </p:par>
-    </p:tnLst>
-  </p:timing>
-</p:sld>
-</file>
-
-<file path=ppt/slides/slide3.xml><?xml version="1.0" encoding="utf-8"?>
-<p:sld xmlns:a="http://schemas.openxmlformats.org/drawingml/2006/main" xmlns:r="http://schemas.openxmlformats.org/officeDocument/2006/relationships" xmlns:p="http://schemas.openxmlformats.org/presentationml/2006/main">
-  <p:cSld>
-    <p:spTree>
-      <p:nvGrpSpPr>
-        <p:cNvPr id="1" name=""/>
-        <p:cNvGrpSpPr/>
-        <p:nvPr/>
-      </p:nvGrpSpPr>
-      <p:grpSpPr>
-        <a:xfrm>
-          <a:off x="0" y="0"/>
-          <a:ext cx="0" cy="0"/>
-          <a:chOff x="0" y="0"/>
-          <a:chExt cx="0" cy="0"/>
-        </a:xfrm>
-      </p:grpSpPr>
-      <p:sp>
-        <p:nvSpPr>
-          <p:cNvPr id="2" name="Title 1"/>
-          <p:cNvSpPr>
-            <a:spLocks noGrp="1"/>
-          </p:cNvSpPr>
-          <p:nvPr>
-            <p:ph type="title"/>
-          </p:nvPr>
-        </p:nvSpPr>
-        <p:spPr>
-          <a:xfrm>
-            <a:off x="0" y="0"/>
-            <a:ext cx="12192000" cy="1034925"/>
-          </a:xfrm>
-        </p:spPr>
-        <p:txBody>
-          <a:bodyPr>
-            <a:normAutofit/>
-          </a:bodyPr>
-          <a:lstStyle/>
-          <a:p>
-            <a:pPr algn="ctr"/>
-            <a:r>
-              <a:rPr lang="fr-FR" sz="5500" dirty="0" err="1" smtClean="0">
-                <a:latin typeface="Helvetica LT Std" panose="020B0504020202020204" pitchFamily="34" charset="0"/>
-              </a:rPr>
-              <a:t>Routing</a:t>
-            </a:r>
-            <a:endParaRPr lang="fr-FR" sz="5500" dirty="0">
-              <a:latin typeface="Helvetica LT Std" panose="020B0504020202020204" pitchFamily="34" charset="0"/>
-            </a:endParaRPr>
-          </a:p>
-        </p:txBody>
-      </p:sp>
-      <p:sp>
-        <p:nvSpPr>
-          <p:cNvPr id="4" name="Content Placeholder 3"/>
-          <p:cNvSpPr>
-            <a:spLocks noGrp="1"/>
-          </p:cNvSpPr>
-          <p:nvPr>
-            <p:ph idx="1"/>
-          </p:nvPr>
-        </p:nvSpPr>
-        <p:spPr>
-          <a:xfrm>
-            <a:off x="845127" y="1626920"/>
-            <a:ext cx="10515600" cy="4553218"/>
-          </a:xfrm>
-        </p:spPr>
-        <p:txBody>
-          <a:bodyPr>
-            <a:normAutofit/>
-          </a:bodyPr>
-          <a:lstStyle/>
-          <a:p>
-            <a:r>
-              <a:rPr lang="fr-FR" sz="3500" dirty="0" smtClean="0">
-                <a:latin typeface="Helvetica LT Std" panose="020B0504020202020204" pitchFamily="34" charset="0"/>
-              </a:rPr>
-              <a:t>En charge de l’interprétation d’URL</a:t>
-            </a:r>
-            <a:endParaRPr lang="fr-FR" sz="3500" dirty="0">
-              <a:latin typeface="Helvetica LT Std" panose="020B0504020202020204" pitchFamily="34" charset="0"/>
-            </a:endParaRPr>
-          </a:p>
-        </p:txBody>
-      </p:sp>
-      <p:sp>
-        <p:nvSpPr>
-          <p:cNvPr id="3" name="Rectangle 2"/>
-          <p:cNvSpPr/>
-          <p:nvPr/>
-        </p:nvSpPr>
-        <p:spPr>
-          <a:xfrm flipV="1">
-            <a:off x="0" y="1034925"/>
-            <a:ext cx="12192000" cy="47505"/>
-          </a:xfrm>
-          <a:prstGeom prst="rect">
-            <a:avLst/>
-          </a:prstGeom>
-        </p:spPr>
-        <p:style>
-          <a:lnRef idx="1">
-            <a:schemeClr val="accent3"/>
-          </a:lnRef>
-          <a:fillRef idx="3">
-            <a:schemeClr val="accent3"/>
-          </a:fillRef>
-          <a:effectRef idx="2">
-            <a:schemeClr val="accent3"/>
-          </a:effectRef>
-          <a:fontRef idx="minor">
-            <a:schemeClr val="lt1"/>
-          </a:fontRef>
-        </p:style>
-        <p:txBody>
-          <a:bodyPr rtlCol="0" anchor="ctr"/>
-          <a:lstStyle/>
-          <a:p>
-            <a:pPr algn="ctr"/>
-            <a:endParaRPr lang="fr-FR"/>
-          </a:p>
-        </p:txBody>
-      </p:sp>
-    </p:spTree>
-    <p:extLst>
-      <p:ext uri="{BB962C8B-B14F-4D97-AF65-F5344CB8AC3E}">
-        <p14:creationId xmlns:p14="http://schemas.microsoft.com/office/powerpoint/2010/main" val="3791510033"/>
-      </p:ext>
-    </p:extLst>
-  </p:cSld>
-  <p:clrMapOvr>
-    <a:masterClrMapping/>
-  </p:clrMapOvr>
-  <mc:AlternateContent xmlns:mc="http://schemas.openxmlformats.org/markup-compatibility/2006">
-    <mc:Choice xmlns:p15="http://schemas.microsoft.com/office/powerpoint/2012/main" Requires="p15">
-      <p:transition xmlns:p14="http://schemas.microsoft.com/office/powerpoint/2010/main" spd="slow" p14:dur="2000">
-        <p15:prstTrans prst="fracture"/>
-      </p:transition>
-    </mc:Choice>
-    <mc:Fallback>
-      <p:transition spd="slow">
-        <p:fade/>
-      </p:transition>
-    </mc:Fallback>
-  </mc:AlternateContent>
-  <p:timing>
-    <p:tnLst>
-      <p:par>
-        <p:cTn id="1" dur="indefinite" restart="never" nodeType="tmRoot"/>
-      </p:par>
-    </p:tnLst>
-  </p:timing>
-</p:sld>
-</file>
-
-<file path=ppt/slides/slide4.xml><?xml version="1.0" encoding="utf-8"?>
-<p:sld xmlns:a="http://schemas.openxmlformats.org/drawingml/2006/main" xmlns:r="http://schemas.openxmlformats.org/officeDocument/2006/relationships" xmlns:p="http://schemas.openxmlformats.org/presentationml/2006/main">
-  <p:cSld>
-    <p:spTree>
-      <p:nvGrpSpPr>
-        <p:cNvPr id="1" name=""/>
-        <p:cNvGrpSpPr/>
-        <p:nvPr/>
-      </p:nvGrpSpPr>
-      <p:grpSpPr>
-        <a:xfrm>
-          <a:off x="0" y="0"/>
-          <a:ext cx="0" cy="0"/>
-          <a:chOff x="0" y="0"/>
-          <a:chExt cx="0" cy="0"/>
-        </a:xfrm>
-      </p:grpSpPr>
-      <p:sp>
-        <p:nvSpPr>
-          <p:cNvPr id="2" name="Title 1"/>
-          <p:cNvSpPr>
-            <a:spLocks noGrp="1"/>
-          </p:cNvSpPr>
-          <p:nvPr>
-            <p:ph type="title"/>
-          </p:nvPr>
-        </p:nvSpPr>
-        <p:spPr>
-          <a:xfrm>
-            <a:off x="0" y="0"/>
-            <a:ext cx="12192000" cy="1034925"/>
-          </a:xfrm>
-        </p:spPr>
-        <p:txBody>
-          <a:bodyPr>
-            <a:normAutofit/>
-          </a:bodyPr>
-          <a:lstStyle/>
-          <a:p>
-            <a:pPr algn="ctr"/>
-            <a:r>
-              <a:rPr lang="fr-FR" sz="5500" dirty="0" smtClean="0">
-                <a:latin typeface="Helvetica LT Std" panose="020B0504020202020204" pitchFamily="34" charset="0"/>
-              </a:rPr>
-              <a:t>Controller</a:t>
-            </a:r>
-            <a:endParaRPr lang="fr-FR" sz="5500" dirty="0">
-              <a:latin typeface="Helvetica LT Std" panose="020B0504020202020204" pitchFamily="34" charset="0"/>
-            </a:endParaRPr>
-          </a:p>
-        </p:txBody>
-      </p:sp>
-      <p:sp>
-        <p:nvSpPr>
-          <p:cNvPr id="4" name="Content Placeholder 3"/>
-          <p:cNvSpPr>
-            <a:spLocks noGrp="1"/>
-          </p:cNvSpPr>
-          <p:nvPr>
-            <p:ph idx="1"/>
-          </p:nvPr>
-        </p:nvSpPr>
-        <p:spPr>
-          <a:xfrm>
-            <a:off x="845127" y="1626920"/>
-            <a:ext cx="10515600" cy="4553218"/>
-          </a:xfrm>
-        </p:spPr>
-        <p:txBody>
-          <a:bodyPr>
-            <a:normAutofit/>
-          </a:bodyPr>
-          <a:lstStyle/>
-          <a:p>
-            <a:r>
-              <a:rPr lang="fr-FR" sz="3500" dirty="0" smtClean="0">
-                <a:latin typeface="Helvetica LT Std" panose="020B0504020202020204" pitchFamily="34" charset="0"/>
-              </a:rPr>
-              <a:t>Gère les opérations liées aux actions demandées</a:t>
-            </a:r>
-            <a:endParaRPr lang="fr-FR" sz="3500" dirty="0">
-              <a:latin typeface="Helvetica LT Std" panose="020B0504020202020204" pitchFamily="34" charset="0"/>
-            </a:endParaRPr>
-          </a:p>
-        </p:txBody>
-      </p:sp>
-      <p:sp>
-        <p:nvSpPr>
-          <p:cNvPr id="3" name="Rectangle 2"/>
-          <p:cNvSpPr/>
-          <p:nvPr/>
-        </p:nvSpPr>
-        <p:spPr>
-          <a:xfrm flipV="1">
-            <a:off x="0" y="1034925"/>
-            <a:ext cx="12192000" cy="47505"/>
-          </a:xfrm>
-          <a:prstGeom prst="rect">
-            <a:avLst/>
-          </a:prstGeom>
-        </p:spPr>
-        <p:style>
-          <a:lnRef idx="1">
-            <a:schemeClr val="accent3"/>
-          </a:lnRef>
-          <a:fillRef idx="3">
-            <a:schemeClr val="accent3"/>
-          </a:fillRef>
-          <a:effectRef idx="2">
-            <a:schemeClr val="accent3"/>
-          </a:effectRef>
-          <a:fontRef idx="minor">
-            <a:schemeClr val="lt1"/>
-          </a:fontRef>
-        </p:style>
-        <p:txBody>
-          <a:bodyPr rtlCol="0" anchor="ctr"/>
-          <a:lstStyle/>
-          <a:p>
-            <a:pPr algn="ctr"/>
-            <a:endParaRPr lang="fr-FR"/>
-          </a:p>
-        </p:txBody>
-      </p:sp>
-    </p:spTree>
-    <p:extLst>
-      <p:ext uri="{BB962C8B-B14F-4D97-AF65-F5344CB8AC3E}">
-        <p14:creationId xmlns:p14="http://schemas.microsoft.com/office/powerpoint/2010/main" val="3555662286"/>
-      </p:ext>
-    </p:extLst>
-  </p:cSld>
-  <p:clrMapOvr>
-    <a:masterClrMapping/>
-  </p:clrMapOvr>
-  <mc:AlternateContent xmlns:mc="http://schemas.openxmlformats.org/markup-compatibility/2006">
-    <mc:Choice xmlns:p15="http://schemas.microsoft.com/office/powerpoint/2012/main" Requires="p15">
-      <p:transition xmlns:p14="http://schemas.microsoft.com/office/powerpoint/2010/main" spd="slow" p14:dur="2000">
-        <p15:prstTrans prst="fracture"/>
-      </p:transition>
-    </mc:Choice>
-    <mc:Fallback>
-      <p:transition spd="slow">
-        <p:fade/>
-      </p:transition>
-    </mc:Fallback>
-  </mc:AlternateContent>
-  <p:timing>
-    <p:tnLst>
-      <p:par>
-        <p:cTn id="1" dur="indefinite" restart="never" nodeType="tmRoot"/>
-      </p:par>
-    </p:tnLst>
-  </p:timing>
-</p:sld>
-</file>
-
-<file path=ppt/slides/slide5.xml><?xml version="1.0" encoding="utf-8"?>
-<p:sld xmlns:a="http://schemas.openxmlformats.org/drawingml/2006/main" xmlns:r="http://schemas.openxmlformats.org/officeDocument/2006/relationships" xmlns:p="http://schemas.openxmlformats.org/presentationml/2006/main">
-  <p:cSld>
-    <p:spTree>
-      <p:nvGrpSpPr>
-        <p:cNvPr id="1" name=""/>
-        <p:cNvGrpSpPr/>
-        <p:nvPr/>
-      </p:nvGrpSpPr>
-      <p:grpSpPr>
-        <a:xfrm>
-          <a:off x="0" y="0"/>
-          <a:ext cx="0" cy="0"/>
-          <a:chOff x="0" y="0"/>
-          <a:chExt cx="0" cy="0"/>
-        </a:xfrm>
-      </p:grpSpPr>
-      <p:sp>
-        <p:nvSpPr>
-          <p:cNvPr id="2" name="Title 1"/>
-          <p:cNvSpPr>
-            <a:spLocks noGrp="1"/>
-          </p:cNvSpPr>
-          <p:nvPr>
-            <p:ph type="title"/>
-          </p:nvPr>
-        </p:nvSpPr>
-        <p:spPr>
-          <a:xfrm>
-            <a:off x="0" y="0"/>
-            <a:ext cx="12192000" cy="1034925"/>
-          </a:xfrm>
-        </p:spPr>
-        <p:txBody>
-          <a:bodyPr>
-            <a:normAutofit/>
-          </a:bodyPr>
-          <a:lstStyle/>
-          <a:p>
-            <a:pPr algn="ctr"/>
-            <a:r>
-              <a:rPr lang="fr-FR" sz="5500" dirty="0" err="1" smtClean="0">
-                <a:latin typeface="Helvetica LT Std" panose="020B0504020202020204" pitchFamily="34" charset="0"/>
-              </a:rPr>
-              <a:t>View</a:t>
-            </a:r>
-            <a:endParaRPr lang="fr-FR" sz="5500" dirty="0">
-              <a:latin typeface="Helvetica LT Std" panose="020B0504020202020204" pitchFamily="34" charset="0"/>
-            </a:endParaRPr>
-          </a:p>
-        </p:txBody>
-      </p:sp>
-      <p:sp>
-        <p:nvSpPr>
-          <p:cNvPr id="4" name="Content Placeholder 3"/>
-          <p:cNvSpPr>
-            <a:spLocks noGrp="1"/>
-          </p:cNvSpPr>
-          <p:nvPr>
-            <p:ph idx="1"/>
-          </p:nvPr>
-        </p:nvSpPr>
-        <p:spPr>
-          <a:xfrm>
-            <a:off x="845127" y="1626920"/>
-            <a:ext cx="10515600" cy="4553218"/>
-          </a:xfrm>
-        </p:spPr>
-        <p:txBody>
-          <a:bodyPr>
-            <a:normAutofit/>
-          </a:bodyPr>
-          <a:lstStyle/>
-          <a:p>
-            <a:r>
-              <a:rPr lang="fr-FR" sz="3500" dirty="0" smtClean="0">
-                <a:latin typeface="Helvetica LT Std" panose="020B0504020202020204" pitchFamily="34" charset="0"/>
-              </a:rPr>
-              <a:t>Chargé de l’affichage de l’information</a:t>
-            </a:r>
-          </a:p>
-          <a:p>
-            <a:r>
-              <a:rPr lang="fr-FR" sz="3500" dirty="0" smtClean="0">
-                <a:latin typeface="Helvetica LT Std" panose="020B0504020202020204" pitchFamily="34" charset="0"/>
-              </a:rPr>
-              <a:t>Transmet les actions de l’utilisateur</a:t>
-            </a:r>
-            <a:endParaRPr lang="fr-FR" sz="3500" dirty="0">
-              <a:latin typeface="Helvetica LT Std" panose="020B0504020202020204" pitchFamily="34" charset="0"/>
-            </a:endParaRPr>
-          </a:p>
-        </p:txBody>
-      </p:sp>
-      <p:sp>
-        <p:nvSpPr>
-          <p:cNvPr id="3" name="Rectangle 2"/>
-          <p:cNvSpPr/>
-          <p:nvPr/>
-        </p:nvSpPr>
-        <p:spPr>
-          <a:xfrm flipV="1">
-            <a:off x="0" y="1034925"/>
-            <a:ext cx="12192000" cy="47505"/>
-          </a:xfrm>
-          <a:prstGeom prst="rect">
-            <a:avLst/>
-          </a:prstGeom>
-        </p:spPr>
-        <p:style>
-          <a:lnRef idx="1">
-            <a:schemeClr val="accent3"/>
-          </a:lnRef>
-          <a:fillRef idx="3">
-            <a:schemeClr val="accent3"/>
-          </a:fillRef>
-          <a:effectRef idx="2">
-            <a:schemeClr val="accent3"/>
-          </a:effectRef>
-          <a:fontRef idx="minor">
-            <a:schemeClr val="lt1"/>
-          </a:fontRef>
-        </p:style>
-        <p:txBody>
-          <a:bodyPr rtlCol="0" anchor="ctr"/>
-          <a:lstStyle/>
-          <a:p>
-            <a:pPr algn="ctr"/>
-            <a:endParaRPr lang="fr-FR"/>
-          </a:p>
-        </p:txBody>
-      </p:sp>
-    </p:spTree>
-    <p:extLst>
-      <p:ext uri="{BB962C8B-B14F-4D97-AF65-F5344CB8AC3E}">
-        <p14:creationId xmlns:p14="http://schemas.microsoft.com/office/powerpoint/2010/main" val="1094218145"/>
-      </p:ext>
-    </p:extLst>
-  </p:cSld>
-  <p:clrMapOvr>
-    <a:masterClrMapping/>
-  </p:clrMapOvr>
-  <mc:AlternateContent xmlns:mc="http://schemas.openxmlformats.org/markup-compatibility/2006">
-    <mc:Choice xmlns:p15="http://schemas.microsoft.com/office/powerpoint/2012/main" Requires="p15">
-      <p:transition xmlns:p14="http://schemas.microsoft.com/office/powerpoint/2010/main" spd="slow" p14:dur="2000">
-        <p15:prstTrans prst="fracture"/>
-      </p:transition>
-    </mc:Choice>
-    <mc:Fallback>
-      <p:transition spd="slow">
-        <p:fade/>
-      </p:transition>
-    </mc:Fallback>
-  </mc:AlternateContent>
-  <p:timing>
-    <p:tnLst>
-      <p:par>
-        <p:cTn id="1" dur="indefinite" restart="never" nodeType="tmRoot"/>
-      </p:par>
-    </p:tnLst>
-  </p:timing>
-</p:sld>
-</file>
-
-<file path=ppt/slides/slide6.xml><?xml version="1.0" encoding="utf-8"?>
-<p:sld xmlns:a="http://schemas.openxmlformats.org/drawingml/2006/main" xmlns:r="http://schemas.openxmlformats.org/officeDocument/2006/relationships" xmlns:p="http://schemas.openxmlformats.org/presentationml/2006/main">
-  <p:cSld>
-    <p:spTree>
-      <p:nvGrpSpPr>
-        <p:cNvPr id="1" name=""/>
-        <p:cNvGrpSpPr/>
-        <p:nvPr/>
-      </p:nvGrpSpPr>
-      <p:grpSpPr>
-        <a:xfrm>
-          <a:off x="0" y="0"/>
-          <a:ext cx="0" cy="0"/>
-          <a:chOff x="0" y="0"/>
-          <a:chExt cx="0" cy="0"/>
-        </a:xfrm>
-      </p:grpSpPr>
-      <p:sp>
-        <p:nvSpPr>
-          <p:cNvPr id="2" name="Title 1"/>
-          <p:cNvSpPr>
-            <a:spLocks noGrp="1"/>
-          </p:cNvSpPr>
-          <p:nvPr>
-            <p:ph type="title"/>
-          </p:nvPr>
-        </p:nvSpPr>
-        <p:spPr>
-          <a:xfrm>
-            <a:off x="0" y="0"/>
-            <a:ext cx="12192000" cy="1034925"/>
-          </a:xfrm>
-        </p:spPr>
-        <p:txBody>
-          <a:bodyPr>
-            <a:normAutofit/>
-          </a:bodyPr>
-          <a:lstStyle/>
-          <a:p>
-            <a:pPr algn="ctr"/>
-            <a:r>
-              <a:rPr lang="fr-FR" sz="5500" dirty="0" smtClean="0">
-                <a:latin typeface="Helvetica LT Std" panose="020B0504020202020204" pitchFamily="34" charset="0"/>
-              </a:rPr>
-              <a:t>Model</a:t>
-            </a:r>
-            <a:endParaRPr lang="fr-FR" sz="5500" dirty="0">
-              <a:latin typeface="Helvetica LT Std" panose="020B0504020202020204" pitchFamily="34" charset="0"/>
-            </a:endParaRPr>
-          </a:p>
-        </p:txBody>
-      </p:sp>
-      <p:sp>
-        <p:nvSpPr>
-          <p:cNvPr id="4" name="Content Placeholder 3"/>
-          <p:cNvSpPr>
-            <a:spLocks noGrp="1"/>
-          </p:cNvSpPr>
-          <p:nvPr>
-            <p:ph idx="1"/>
-          </p:nvPr>
-        </p:nvSpPr>
-        <p:spPr>
-          <a:xfrm>
-            <a:off x="845127" y="1626920"/>
-            <a:ext cx="10515600" cy="4553218"/>
-          </a:xfrm>
-        </p:spPr>
-        <p:txBody>
-          <a:bodyPr>
-            <a:normAutofit/>
-          </a:bodyPr>
-          <a:lstStyle/>
-          <a:p>
-            <a:r>
-              <a:rPr lang="fr-FR" sz="3500" dirty="0" smtClean="0">
-                <a:latin typeface="Helvetica LT Std" panose="020B0504020202020204" pitchFamily="34" charset="0"/>
-              </a:rPr>
-              <a:t>Constitué des classes métiers</a:t>
-            </a:r>
-            <a:endParaRPr lang="fr-FR" sz="3500" dirty="0">
-              <a:latin typeface="Helvetica LT Std" panose="020B0504020202020204" pitchFamily="34" charset="0"/>
-            </a:endParaRPr>
-          </a:p>
-        </p:txBody>
-      </p:sp>
-      <p:sp>
-        <p:nvSpPr>
-          <p:cNvPr id="3" name="Rectangle 2"/>
-          <p:cNvSpPr/>
-          <p:nvPr/>
-        </p:nvSpPr>
-        <p:spPr>
-          <a:xfrm flipV="1">
-            <a:off x="0" y="1034925"/>
-            <a:ext cx="12192000" cy="47505"/>
-          </a:xfrm>
-          <a:prstGeom prst="rect">
-            <a:avLst/>
-          </a:prstGeom>
-        </p:spPr>
-        <p:style>
-          <a:lnRef idx="1">
-            <a:schemeClr val="accent3"/>
-          </a:lnRef>
-          <a:fillRef idx="3">
-            <a:schemeClr val="accent3"/>
-          </a:fillRef>
-          <a:effectRef idx="2">
-            <a:schemeClr val="accent3"/>
-          </a:effectRef>
-          <a:fontRef idx="minor">
-            <a:schemeClr val="lt1"/>
-          </a:fontRef>
-        </p:style>
-        <p:txBody>
-          <a:bodyPr rtlCol="0" anchor="ctr"/>
-          <a:lstStyle/>
-          <a:p>
-            <a:pPr algn="ctr"/>
-            <a:endParaRPr lang="fr-FR"/>
-          </a:p>
-        </p:txBody>
-      </p:sp>
-    </p:spTree>
-    <p:extLst>
-      <p:ext uri="{BB962C8B-B14F-4D97-AF65-F5344CB8AC3E}">
-        <p14:creationId xmlns:p14="http://schemas.microsoft.com/office/powerpoint/2010/main" val="556326957"/>
-      </p:ext>
-    </p:extLst>
-  </p:cSld>
-  <p:clrMapOvr>
-    <a:masterClrMapping/>
-  </p:clrMapOvr>
-  <mc:AlternateContent xmlns:mc="http://schemas.openxmlformats.org/markup-compatibility/2006">
-    <mc:Choice xmlns:p15="http://schemas.microsoft.com/office/powerpoint/2012/main" Requires="p15">
-      <p:transition xmlns:p14="http://schemas.microsoft.com/office/powerpoint/2010/main" spd="slow" p14:dur="2000">
-        <p15:prstTrans prst="fracture"/>
-      </p:transition>
-    </mc:Choice>
-    <mc:Fallback>
-      <p:transition spd="slow">
-        <p:fade/>
-      </p:transition>
-    </mc:Fallback>
-  </mc:AlternateContent>
-  <p:timing>
-    <p:tnLst>
-      <p:par>
-        <p:cTn id="1" dur="indefinite" restart="never" nodeType="tmRoot"/>
-      </p:par>
-    </p:tnLst>
-  </p:timing>
-</p:sld>
-</file>
-
-<file path=ppt/slides/slide7.xml><?xml version="1.0" encoding="utf-8"?>
-<p:sld xmlns:a="http://schemas.openxmlformats.org/drawingml/2006/main" xmlns:r="http://schemas.openxmlformats.org/officeDocument/2006/relationships" xmlns:p="http://schemas.openxmlformats.org/presentationml/2006/main">
-  <p:cSld>
-    <p:spTree>
-      <p:nvGrpSpPr>
-        <p:cNvPr id="1" name=""/>
-        <p:cNvGrpSpPr/>
-        <p:nvPr/>
-      </p:nvGrpSpPr>
-      <p:grpSpPr>
-        <a:xfrm>
-          <a:off x="0" y="0"/>
-          <a:ext cx="0" cy="0"/>
-          <a:chOff x="0" y="0"/>
-          <a:chExt cx="0" cy="0"/>
-        </a:xfrm>
-      </p:grpSpPr>
-      <p:sp>
-        <p:nvSpPr>
-          <p:cNvPr id="2" name="Title 1"/>
-          <p:cNvSpPr>
-            <a:spLocks noGrp="1"/>
-          </p:cNvSpPr>
-          <p:nvPr>
-            <p:ph type="title"/>
-          </p:nvPr>
-        </p:nvSpPr>
-        <p:spPr>
-          <a:xfrm>
-            <a:off x="0" y="0"/>
-            <a:ext cx="12192000" cy="1034925"/>
-          </a:xfrm>
-        </p:spPr>
-        <p:txBody>
-          <a:bodyPr>
-            <a:normAutofit/>
-          </a:bodyPr>
-          <a:lstStyle/>
-          <a:p>
-            <a:pPr algn="ctr"/>
-            <a:r>
-              <a:rPr lang="fr-FR" sz="5500" dirty="0" smtClean="0">
-                <a:latin typeface="Helvetica LT Std" panose="020B0504020202020204" pitchFamily="34" charset="0"/>
-              </a:rPr>
-              <a:t>Data Access Object</a:t>
-            </a:r>
-            <a:endParaRPr lang="fr-FR" sz="5500" dirty="0">
-              <a:latin typeface="Helvetica LT Std" panose="020B0504020202020204" pitchFamily="34" charset="0"/>
-            </a:endParaRPr>
-          </a:p>
-        </p:txBody>
-      </p:sp>
-      <p:sp>
-        <p:nvSpPr>
-          <p:cNvPr id="4" name="Content Placeholder 3"/>
-          <p:cNvSpPr>
-            <a:spLocks noGrp="1"/>
-          </p:cNvSpPr>
-          <p:nvPr>
-            <p:ph idx="1"/>
-          </p:nvPr>
-        </p:nvSpPr>
-        <p:spPr>
-          <a:xfrm>
-            <a:off x="845127" y="1626920"/>
-            <a:ext cx="10515600" cy="4553218"/>
-          </a:xfrm>
-        </p:spPr>
-        <p:txBody>
-          <a:bodyPr>
-            <a:normAutofit/>
-          </a:bodyPr>
-          <a:lstStyle/>
-          <a:p>
-            <a:r>
-              <a:rPr lang="fr-FR" sz="3500" dirty="0" smtClean="0">
-                <a:latin typeface="Helvetica LT Std" panose="020B0504020202020204" pitchFamily="34" charset="0"/>
-              </a:rPr>
-              <a:t>Chargé de faire le lien entre contrôleur, BDD, et classes métiers</a:t>
-            </a:r>
-            <a:endParaRPr lang="fr-FR" sz="3500" dirty="0">
-              <a:latin typeface="Helvetica LT Std" panose="020B0504020202020204" pitchFamily="34" charset="0"/>
-            </a:endParaRPr>
-          </a:p>
-        </p:txBody>
-      </p:sp>
-      <p:sp>
-        <p:nvSpPr>
-          <p:cNvPr id="3" name="Rectangle 2"/>
-          <p:cNvSpPr/>
-          <p:nvPr/>
-        </p:nvSpPr>
-        <p:spPr>
-          <a:xfrm flipV="1">
-            <a:off x="0" y="1034925"/>
-            <a:ext cx="12192000" cy="47505"/>
-          </a:xfrm>
-          <a:prstGeom prst="rect">
-            <a:avLst/>
-          </a:prstGeom>
-        </p:spPr>
-        <p:style>
-          <a:lnRef idx="1">
-            <a:schemeClr val="accent3"/>
-          </a:lnRef>
-          <a:fillRef idx="3">
-            <a:schemeClr val="accent3"/>
-          </a:fillRef>
-          <a:effectRef idx="2">
-            <a:schemeClr val="accent3"/>
-          </a:effectRef>
-          <a:fontRef idx="minor">
-            <a:schemeClr val="lt1"/>
-          </a:fontRef>
-        </p:style>
-        <p:txBody>
-          <a:bodyPr rtlCol="0" anchor="ctr"/>
-          <a:lstStyle/>
-          <a:p>
-            <a:pPr algn="ctr"/>
-            <a:endParaRPr lang="fr-FR"/>
-          </a:p>
-        </p:txBody>
-      </p:sp>
-    </p:spTree>
-    <p:extLst>
-      <p:ext uri="{BB962C8B-B14F-4D97-AF65-F5344CB8AC3E}">
-        <p14:creationId xmlns:p14="http://schemas.microsoft.com/office/powerpoint/2010/main" val="912431965"/>
-      </p:ext>
-    </p:extLst>
-  </p:cSld>
-  <p:clrMapOvr>
-    <a:masterClrMapping/>
-  </p:clrMapOvr>
-  <mc:AlternateContent xmlns:mc="http://schemas.openxmlformats.org/markup-compatibility/2006">
-    <mc:Choice xmlns:p15="http://schemas.microsoft.com/office/powerpoint/2012/main" Requires="p15">
-      <p:transition xmlns:p14="http://schemas.microsoft.com/office/powerpoint/2010/main" spd="slow" p14:dur="2000">
-        <p15:prstTrans prst="fracture"/>
-      </p:transition>
-    </mc:Choice>
-    <mc:Fallback>
-      <p:transition spd="slow">
-        <p:fade/>
-      </p:transition>
-    </mc:Fallback>
-  </mc:AlternateContent>
-  <p:timing>
-    <p:tnLst>
-      <p:par>
-        <p:cTn id="1" dur="indefinite" restart="never" nodeType="tmRoot"/>
-      </p:par>
-    </p:tnLst>
-  </p:timing>
-</p:sld>
-</file>
-
-<file path=ppt/slides/slide8.xml><?xml version="1.0" encoding="utf-8"?>
-<p:sld xmlns:a="http://schemas.openxmlformats.org/drawingml/2006/main" xmlns:r="http://schemas.openxmlformats.org/officeDocument/2006/relationships" xmlns:p="http://schemas.openxmlformats.org/presentationml/2006/main">
-  <p:cSld>
-    <p:spTree>
-      <p:nvGrpSpPr>
-        <p:cNvPr id="1" name=""/>
-        <p:cNvGrpSpPr/>
-        <p:nvPr/>
-      </p:nvGrpSpPr>
-      <p:grpSpPr>
-        <a:xfrm>
-          <a:off x="0" y="0"/>
-          <a:ext cx="0" cy="0"/>
-          <a:chOff x="0" y="0"/>
-          <a:chExt cx="0" cy="0"/>
-        </a:xfrm>
-      </p:grpSpPr>
-      <p:sp>
-        <p:nvSpPr>
-          <p:cNvPr id="2" name="Title 1"/>
-          <p:cNvSpPr>
-            <a:spLocks noGrp="1"/>
-          </p:cNvSpPr>
-          <p:nvPr>
-            <p:ph type="title"/>
-          </p:nvPr>
-        </p:nvSpPr>
-        <p:spPr>
-          <a:xfrm>
-            <a:off x="0" y="0"/>
-            <a:ext cx="12192000" cy="1034925"/>
-          </a:xfrm>
-        </p:spPr>
-        <p:txBody>
-          <a:bodyPr>
-            <a:normAutofit/>
-          </a:bodyPr>
-          <a:lstStyle/>
-          <a:p>
-            <a:pPr algn="ctr"/>
-            <a:r>
-              <a:rPr lang="fr-FR" sz="5500" dirty="0" err="1" smtClean="0">
-                <a:latin typeface="Helvetica LT Std" panose="020B0504020202020204" pitchFamily="34" charset="0"/>
-              </a:rPr>
-              <a:t>Libraries</a:t>
-            </a:r>
-            <a:endParaRPr lang="fr-FR" sz="5500" dirty="0">
-              <a:latin typeface="Helvetica LT Std" panose="020B0504020202020204" pitchFamily="34" charset="0"/>
-            </a:endParaRPr>
-          </a:p>
-        </p:txBody>
-      </p:sp>
-      <p:sp>
-        <p:nvSpPr>
-          <p:cNvPr id="4" name="Content Placeholder 3"/>
-          <p:cNvSpPr>
-            <a:spLocks noGrp="1"/>
-          </p:cNvSpPr>
-          <p:nvPr>
-            <p:ph idx="1"/>
-          </p:nvPr>
-        </p:nvSpPr>
-        <p:spPr>
-          <a:xfrm>
-            <a:off x="845127" y="1626920"/>
-            <a:ext cx="10515600" cy="4553218"/>
-          </a:xfrm>
-        </p:spPr>
-        <p:txBody>
-          <a:bodyPr>
-            <a:normAutofit/>
-          </a:bodyPr>
-          <a:lstStyle/>
-          <a:p>
-            <a:r>
-              <a:rPr lang="fr-FR" sz="3500" dirty="0" smtClean="0">
-                <a:latin typeface="Helvetica LT Std" panose="020B0504020202020204" pitchFamily="34" charset="0"/>
-              </a:rPr>
-              <a:t>Classes génériques, qui ont souvent un grand nombre de classes filles</a:t>
-            </a:r>
-            <a:endParaRPr lang="fr-FR" sz="3500" dirty="0">
-              <a:latin typeface="Helvetica LT Std" panose="020B0504020202020204" pitchFamily="34" charset="0"/>
-            </a:endParaRPr>
-          </a:p>
-        </p:txBody>
-      </p:sp>
-      <p:sp>
-        <p:nvSpPr>
-          <p:cNvPr id="3" name="Rectangle 2"/>
-          <p:cNvSpPr/>
-          <p:nvPr/>
-        </p:nvSpPr>
-        <p:spPr>
-          <a:xfrm flipV="1">
-            <a:off x="0" y="1034925"/>
-            <a:ext cx="12192000" cy="47505"/>
-          </a:xfrm>
-          <a:prstGeom prst="rect">
-            <a:avLst/>
-          </a:prstGeom>
-        </p:spPr>
-        <p:style>
-          <a:lnRef idx="1">
-            <a:schemeClr val="accent3"/>
-          </a:lnRef>
-          <a:fillRef idx="3">
-            <a:schemeClr val="accent3"/>
-          </a:fillRef>
-          <a:effectRef idx="2">
-            <a:schemeClr val="accent3"/>
-          </a:effectRef>
-          <a:fontRef idx="minor">
-            <a:schemeClr val="lt1"/>
-          </a:fontRef>
-        </p:style>
-        <p:txBody>
-          <a:bodyPr rtlCol="0" anchor="ctr"/>
-          <a:lstStyle/>
-          <a:p>
-            <a:pPr algn="ctr"/>
-            <a:endParaRPr lang="fr-FR"/>
-          </a:p>
-        </p:txBody>
-      </p:sp>
-    </p:spTree>
-    <p:extLst>
-      <p:ext uri="{BB962C8B-B14F-4D97-AF65-F5344CB8AC3E}">
-        <p14:creationId xmlns:p14="http://schemas.microsoft.com/office/powerpoint/2010/main" val="2441412915"/>
-      </p:ext>
-    </p:extLst>
-  </p:cSld>
-  <p:clrMapOvr>
-    <a:masterClrMapping/>
-  </p:clrMapOvr>
-  <mc:AlternateContent xmlns:mc="http://schemas.openxmlformats.org/markup-compatibility/2006">
-    <mc:Choice xmlns:p15="http://schemas.microsoft.com/office/powerpoint/2012/main" Requires="p15">
-      <p:transition xmlns:p14="http://schemas.microsoft.com/office/powerpoint/2010/main" spd="slow" p14:dur="2000">
-        <p15:prstTrans prst="fracture"/>
-      </p:transition>
-    </mc:Choice>
-    <mc:Fallback>
-      <p:transition spd="slow">
-        <p:fade/>
-      </p:transition>
-    </mc:Fallback>
-  </mc:AlternateContent>
-  <p:timing>
-    <p:tnLst>
-      <p:par>
-        <p:cTn id="1" dur="indefinite" restart="never" nodeType="tmRoot"/>
-      </p:par>
-    </p:tnLst>
-  </p:timing>
-</p:sld>
-</file>
-
-<file path=ppt/slides/slide9.xml><?xml version="1.0" encoding="utf-8"?>
-<p:sld xmlns:a="http://schemas.openxmlformats.org/drawingml/2006/main" xmlns:r="http://schemas.openxmlformats.org/officeDocument/2006/relationships" xmlns:p="http://schemas.openxmlformats.org/presentationml/2006/main">
-  <p:cSld>
-    <p:spTree>
-      <p:nvGrpSpPr>
-        <p:cNvPr id="1" name=""/>
-        <p:cNvGrpSpPr/>
-        <p:nvPr/>
-      </p:nvGrpSpPr>
-      <p:grpSpPr>
-        <a:xfrm>
-          <a:off x="0" y="0"/>
-          <a:ext cx="0" cy="0"/>
-          <a:chOff x="0" y="0"/>
-          <a:chExt cx="0" cy="0"/>
-        </a:xfrm>
-      </p:grpSpPr>
-      <p:sp>
-        <p:nvSpPr>
-          <p:cNvPr id="2" name="Title 1"/>
-          <p:cNvSpPr>
-            <a:spLocks noGrp="1"/>
-          </p:cNvSpPr>
-          <p:nvPr>
-            <p:ph type="title"/>
-          </p:nvPr>
-        </p:nvSpPr>
-        <p:spPr>
-          <a:xfrm>
-            <a:off x="0" y="0"/>
-            <a:ext cx="12192000" cy="1034925"/>
-          </a:xfrm>
-        </p:spPr>
-        <p:txBody>
-          <a:bodyPr>
-            <a:normAutofit/>
-          </a:bodyPr>
-          <a:lstStyle/>
-          <a:p>
-            <a:pPr algn="ctr"/>
-            <a:r>
-              <a:rPr lang="fr-FR" sz="5500" dirty="0" err="1">
-                <a:latin typeface="Helvetica LT Std" panose="020B0504020202020204" pitchFamily="34" charset="0"/>
-              </a:rPr>
-              <a:t>Miscellaneous</a:t>
-            </a:r>
-            <a:endParaRPr lang="fr-FR" sz="5500" dirty="0">
-              <a:latin typeface="Helvetica LT Std" panose="020B0504020202020204" pitchFamily="34" charset="0"/>
-            </a:endParaRPr>
-          </a:p>
-        </p:txBody>
-      </p:sp>
-      <p:sp>
-        <p:nvSpPr>
-          <p:cNvPr id="4" name="Content Placeholder 3"/>
-          <p:cNvSpPr>
-            <a:spLocks noGrp="1"/>
-          </p:cNvSpPr>
-          <p:nvPr>
-            <p:ph idx="1"/>
-          </p:nvPr>
-        </p:nvSpPr>
-        <p:spPr>
-          <a:xfrm>
-            <a:off x="845127" y="1626920"/>
-            <a:ext cx="10515600" cy="4553218"/>
-          </a:xfrm>
-        </p:spPr>
-        <p:txBody>
-          <a:bodyPr>
-            <a:normAutofit/>
-          </a:bodyPr>
-          <a:lstStyle/>
-          <a:p>
-            <a:r>
-              <a:rPr lang="fr-FR" sz="3500" dirty="0" smtClean="0">
-                <a:latin typeface="Helvetica LT Std" panose="020B0504020202020204" pitchFamily="34" charset="0"/>
-              </a:rPr>
-              <a:t>Fichiers images</a:t>
-            </a:r>
-          </a:p>
-          <a:p>
-            <a:r>
-              <a:rPr lang="fr-FR" sz="3500" dirty="0" smtClean="0">
-                <a:latin typeface="Helvetica LT Std" panose="020B0504020202020204" pitchFamily="34" charset="0"/>
-              </a:rPr>
-              <a:t>Librairie </a:t>
-            </a:r>
-            <a:r>
-              <a:rPr lang="fr-FR" sz="3500" dirty="0" err="1" smtClean="0">
-                <a:latin typeface="Helvetica LT Std" panose="020B0504020202020204" pitchFamily="34" charset="0"/>
-              </a:rPr>
-              <a:t>Jquery</a:t>
-            </a:r>
-            <a:endParaRPr lang="fr-FR" sz="3500" dirty="0" smtClean="0">
-              <a:latin typeface="Helvetica LT Std" panose="020B0504020202020204" pitchFamily="34" charset="0"/>
-            </a:endParaRPr>
-          </a:p>
-          <a:p>
-            <a:r>
-              <a:rPr lang="fr-FR" sz="3500" dirty="0" smtClean="0">
-                <a:latin typeface="Helvetica LT Std" panose="020B0504020202020204" pitchFamily="34" charset="0"/>
-              </a:rPr>
-              <a:t>Fichiers .</a:t>
-            </a:r>
-            <a:r>
-              <a:rPr lang="fr-FR" sz="3500" dirty="0" err="1" smtClean="0">
-                <a:latin typeface="Helvetica LT Std" panose="020B0504020202020204" pitchFamily="34" charset="0"/>
-              </a:rPr>
-              <a:t>js</a:t>
-            </a:r>
-            <a:endParaRPr lang="fr-FR" sz="3500" dirty="0" smtClean="0">
-              <a:latin typeface="Helvetica LT Std" panose="020B0504020202020204" pitchFamily="34" charset="0"/>
-            </a:endParaRPr>
-          </a:p>
-          <a:p>
-            <a:endParaRPr lang="fr-FR" sz="3500" dirty="0" smtClean="0">
-              <a:latin typeface="Helvetica LT Std" panose="020B0504020202020204" pitchFamily="34" charset="0"/>
-            </a:endParaRPr>
-          </a:p>
-          <a:p>
-            <a:endParaRPr lang="fr-FR" sz="3500" dirty="0">
-              <a:latin typeface="Helvetica LT Std" panose="020B0504020202020204" pitchFamily="34" charset="0"/>
-            </a:endParaRPr>
-          </a:p>
-        </p:txBody>
-      </p:sp>
-      <p:sp>
-        <p:nvSpPr>
-          <p:cNvPr id="3" name="Rectangle 2"/>
-          <p:cNvSpPr/>
-          <p:nvPr/>
-        </p:nvSpPr>
-        <p:spPr>
-          <a:xfrm flipV="1">
-            <a:off x="0" y="1034925"/>
-            <a:ext cx="12192000" cy="47505"/>
-          </a:xfrm>
-          <a:prstGeom prst="rect">
-            <a:avLst/>
-          </a:prstGeom>
-        </p:spPr>
-        <p:style>
-          <a:lnRef idx="1">
-            <a:schemeClr val="accent3"/>
-          </a:lnRef>
-          <a:fillRef idx="3">
-            <a:schemeClr val="accent3"/>
-          </a:fillRef>
-          <a:effectRef idx="2">
-            <a:schemeClr val="accent3"/>
-          </a:effectRef>
-          <a:fontRef idx="minor">
-            <a:schemeClr val="lt1"/>
-          </a:fontRef>
-        </p:style>
-        <p:txBody>
-          <a:bodyPr rtlCol="0" anchor="ctr"/>
-          <a:lstStyle/>
-          <a:p>
-            <a:pPr algn="ctr"/>
-            <a:endParaRPr lang="fr-FR"/>
-          </a:p>
-        </p:txBody>
-      </p:sp>
-    </p:spTree>
-    <p:extLst>
-      <p:ext uri="{BB962C8B-B14F-4D97-AF65-F5344CB8AC3E}">
-        <p14:creationId xmlns:p14="http://schemas.microsoft.com/office/powerpoint/2010/main" val="1890223664"/>
-      </p:ext>
-    </p:extLst>
-  </p:cSld>
-  <p:clrMapOvr>
-    <a:masterClrMapping/>
-  </p:clrMapOvr>
-  <mc:AlternateContent xmlns:mc="http://schemas.openxmlformats.org/markup-compatibility/2006">
-    <mc:Choice xmlns:p15="http://schemas.microsoft.com/office/powerpoint/2012/main" Requires="p15">
+    <mc:Choice xmlns:p15="http://schemas.microsoft.com/office/powerpoint/2012/main" xmlns="" Requires="p15">
       <p:transition xmlns:p14="http://schemas.microsoft.com/office/powerpoint/2010/main" spd="slow" p14:dur="2000">
         <p15:prstTrans prst="fracture"/>
       </p:transition>
@@ -6269,7 +6391,7 @@
         <a:sysClr val="windowText" lastClr="000000"/>
       </a:dk1>
       <a:lt1>
-        <a:sysClr val="window" lastClr="FCFCFC"/>
+        <a:sysClr val="window" lastClr="FFFFFF"/>
       </a:lt1>
       <a:dk2>
         <a:srgbClr val="323232"/>
@@ -6542,7 +6664,7 @@
         <a:sysClr val="windowText" lastClr="000000"/>
       </a:dk1>
       <a:lt1>
-        <a:sysClr val="window" lastClr="FCFCFC"/>
+        <a:sysClr val="window" lastClr="FFFFFF"/>
       </a:lt1>
       <a:dk2>
         <a:srgbClr val="323232"/>
@@ -6815,7 +6937,7 @@
         <a:sysClr val="windowText" lastClr="000000"/>
       </a:dk1>
       <a:lt1>
-        <a:sysClr val="window" lastClr="FCFCFC"/>
+        <a:sysClr val="window" lastClr="FFFFFF"/>
       </a:lt1>
       <a:dk2>
         <a:srgbClr val="323232"/>

--- a/bazard/Présentation ODIARD PASINI.pptx
+++ b/bazard/Présentation ODIARD PASINI.pptx
@@ -122,7 +122,7 @@
   </p:defaultTextStyle>
   <p:extLst>
     <p:ext uri="{EFAFB233-063F-42B5-8137-9DF3F51BA10A}">
-      <p15:sldGuideLst xmlns:p15="http://schemas.microsoft.com/office/powerpoint/2012/main" xmlns="">
+      <p15:sldGuideLst xmlns="" xmlns:p15="http://schemas.microsoft.com/office/powerpoint/2012/main">
         <p15:guide id="1" orient="horz" pos="2160">
           <p15:clr>
             <a:srgbClr val="A4A3A4"/>
@@ -136,7 +136,7 @@
       </p15:sldGuideLst>
     </p:ext>
     <p:ext uri="{2D200454-40CA-4A62-9FC3-DE9A4176ACB9}">
-      <p15:notesGuideLst xmlns:p15="http://schemas.microsoft.com/office/powerpoint/2012/main" xmlns=""/>
+      <p15:notesGuideLst xmlns="" xmlns:p15="http://schemas.microsoft.com/office/powerpoint/2012/main"/>
     </p:ext>
   </p:extLst>
 </p:presentation>
@@ -857,7 +857,7 @@
     <a:masterClrMapping/>
   </p:clrMapOvr>
   <mc:AlternateContent xmlns:mc="http://schemas.openxmlformats.org/markup-compatibility/2006">
-    <mc:Choice xmlns:p15="http://schemas.microsoft.com/office/powerpoint/2012/main" xmlns="" Requires="p15">
+    <mc:Choice xmlns="" xmlns:p15="http://schemas.microsoft.com/office/powerpoint/2012/main" Requires="p15">
       <p:transition xmlns:p14="http://schemas.microsoft.com/office/powerpoint/2010/main" spd="slow" p14:dur="2000">
         <p15:prstTrans prst="fracture"/>
       </p:transition>
@@ -1039,7 +1039,7 @@
     <a:masterClrMapping/>
   </p:clrMapOvr>
   <mc:AlternateContent xmlns:mc="http://schemas.openxmlformats.org/markup-compatibility/2006">
-    <mc:Choice xmlns:p15="http://schemas.microsoft.com/office/powerpoint/2012/main" xmlns="" Requires="p15">
+    <mc:Choice xmlns="" xmlns:p15="http://schemas.microsoft.com/office/powerpoint/2012/main" Requires="p15">
       <p:transition xmlns:p14="http://schemas.microsoft.com/office/powerpoint/2010/main" spd="slow" p14:dur="2000">
         <p15:prstTrans prst="fracture"/>
       </p:transition>
@@ -1231,7 +1231,7 @@
     <a:masterClrMapping/>
   </p:clrMapOvr>
   <mc:AlternateContent xmlns:mc="http://schemas.openxmlformats.org/markup-compatibility/2006">
-    <mc:Choice xmlns:p15="http://schemas.microsoft.com/office/powerpoint/2012/main" xmlns="" Requires="p15">
+    <mc:Choice xmlns="" xmlns:p15="http://schemas.microsoft.com/office/powerpoint/2012/main" Requires="p15">
       <p:transition xmlns:p14="http://schemas.microsoft.com/office/powerpoint/2010/main" spd="slow" p14:dur="2000">
         <p15:prstTrans prst="fracture"/>
       </p:transition>
@@ -1413,7 +1413,7 @@
     <a:masterClrMapping/>
   </p:clrMapOvr>
   <mc:AlternateContent xmlns:mc="http://schemas.openxmlformats.org/markup-compatibility/2006">
-    <mc:Choice xmlns:p15="http://schemas.microsoft.com/office/powerpoint/2012/main" xmlns="" Requires="p15">
+    <mc:Choice xmlns="" xmlns:p15="http://schemas.microsoft.com/office/powerpoint/2012/main" Requires="p15">
       <p:transition xmlns:p14="http://schemas.microsoft.com/office/powerpoint/2010/main" spd="slow" p14:dur="2000">
         <p15:prstTrans prst="fracture"/>
       </p:transition>
@@ -1676,7 +1676,7 @@
     <a:masterClrMapping/>
   </p:clrMapOvr>
   <mc:AlternateContent xmlns:mc="http://schemas.openxmlformats.org/markup-compatibility/2006">
-    <mc:Choice xmlns:p15="http://schemas.microsoft.com/office/powerpoint/2012/main" xmlns="" Requires="p15">
+    <mc:Choice xmlns="" xmlns:p15="http://schemas.microsoft.com/office/powerpoint/2012/main" Requires="p15">
       <p:transition xmlns:p14="http://schemas.microsoft.com/office/powerpoint/2010/main" spd="slow" p14:dur="2000">
         <p15:prstTrans prst="fracture"/>
       </p:transition>
@@ -1976,7 +1976,7 @@
     <a:masterClrMapping/>
   </p:clrMapOvr>
   <mc:AlternateContent xmlns:mc="http://schemas.openxmlformats.org/markup-compatibility/2006">
-    <mc:Choice xmlns:p15="http://schemas.microsoft.com/office/powerpoint/2012/main" xmlns="" Requires="p15">
+    <mc:Choice xmlns="" xmlns:p15="http://schemas.microsoft.com/office/powerpoint/2012/main" Requires="p15">
       <p:transition xmlns:p14="http://schemas.microsoft.com/office/powerpoint/2010/main" spd="slow" p14:dur="2000">
         <p15:prstTrans prst="fracture"/>
       </p:transition>
@@ -2408,7 +2408,7 @@
     <a:masterClrMapping/>
   </p:clrMapOvr>
   <mc:AlternateContent xmlns:mc="http://schemas.openxmlformats.org/markup-compatibility/2006">
-    <mc:Choice xmlns:p15="http://schemas.microsoft.com/office/powerpoint/2012/main" xmlns="" Requires="p15">
+    <mc:Choice xmlns="" xmlns:p15="http://schemas.microsoft.com/office/powerpoint/2012/main" Requires="p15">
       <p:transition xmlns:p14="http://schemas.microsoft.com/office/powerpoint/2010/main" spd="slow" p14:dur="2000">
         <p15:prstTrans prst="fracture"/>
       </p:transition>
@@ -2538,7 +2538,7 @@
     <a:masterClrMapping/>
   </p:clrMapOvr>
   <mc:AlternateContent xmlns:mc="http://schemas.openxmlformats.org/markup-compatibility/2006">
-    <mc:Choice xmlns:p15="http://schemas.microsoft.com/office/powerpoint/2012/main" xmlns="" Requires="p15">
+    <mc:Choice xmlns="" xmlns:p15="http://schemas.microsoft.com/office/powerpoint/2012/main" Requires="p15">
       <p:transition xmlns:p14="http://schemas.microsoft.com/office/powerpoint/2010/main" spd="slow" p14:dur="2000">
         <p15:prstTrans prst="fracture"/>
       </p:transition>
@@ -2652,7 +2652,7 @@
     <a:masterClrMapping/>
   </p:clrMapOvr>
   <mc:AlternateContent xmlns:mc="http://schemas.openxmlformats.org/markup-compatibility/2006">
-    <mc:Choice xmlns:p15="http://schemas.microsoft.com/office/powerpoint/2012/main" xmlns="" Requires="p15">
+    <mc:Choice xmlns="" xmlns:p15="http://schemas.microsoft.com/office/powerpoint/2012/main" Requires="p15">
       <p:transition xmlns:p14="http://schemas.microsoft.com/office/powerpoint/2010/main" spd="slow" p14:dur="2000">
         <p15:prstTrans prst="fracture"/>
       </p:transition>
@@ -2948,7 +2948,7 @@
     <a:masterClrMapping/>
   </p:clrMapOvr>
   <mc:AlternateContent xmlns:mc="http://schemas.openxmlformats.org/markup-compatibility/2006">
-    <mc:Choice xmlns:p15="http://schemas.microsoft.com/office/powerpoint/2012/main" xmlns="" Requires="p15">
+    <mc:Choice xmlns="" xmlns:p15="http://schemas.microsoft.com/office/powerpoint/2012/main" Requires="p15">
       <p:transition xmlns:p14="http://schemas.microsoft.com/office/powerpoint/2010/main" spd="slow" p14:dur="2000">
         <p15:prstTrans prst="fracture"/>
       </p:transition>
@@ -3224,7 +3224,7 @@
     <a:masterClrMapping/>
   </p:clrMapOvr>
   <mc:AlternateContent xmlns:mc="http://schemas.openxmlformats.org/markup-compatibility/2006">
-    <mc:Choice xmlns:p15="http://schemas.microsoft.com/office/powerpoint/2012/main" xmlns="" Requires="p15">
+    <mc:Choice xmlns="" xmlns:p15="http://schemas.microsoft.com/office/powerpoint/2012/main" Requires="p15">
       <p:transition xmlns:p14="http://schemas.microsoft.com/office/powerpoint/2010/main" spd="slow" p14:dur="2000">
         <p15:prstTrans prst="fracture"/>
       </p:transition>
@@ -3498,7 +3498,7 @@
     <p:sldLayoutId id="2147483851" r:id="rId11"/>
   </p:sldLayoutIdLst>
   <mc:AlternateContent xmlns:mc="http://schemas.openxmlformats.org/markup-compatibility/2006">
-    <mc:Choice xmlns:p15="http://schemas.microsoft.com/office/powerpoint/2012/main" xmlns="" Requires="p15">
+    <mc:Choice xmlns="" xmlns:p15="http://schemas.microsoft.com/office/powerpoint/2012/main" Requires="p15">
       <p:transition xmlns:p14="http://schemas.microsoft.com/office/powerpoint/2010/main" spd="slow" p14:dur="2000">
         <p15:prstTrans prst="fracture"/>
       </p:transition>
@@ -3792,7 +3792,7 @@
   </p:txStyles>
   <p:extLst mod="1">
     <p:ext uri="{27BBF7A9-308A-43DC-89C8-2F10F3537804}">
-      <p15:sldGuideLst xmlns:p15="http://schemas.microsoft.com/office/powerpoint/2012/main" xmlns="">
+      <p15:sldGuideLst xmlns="" xmlns:p15="http://schemas.microsoft.com/office/powerpoint/2012/main">
         <p15:guide id="1" orient="horz" pos="2160" userDrawn="1">
           <p15:clr>
             <a:srgbClr val="F26B43"/>
@@ -4156,7 +4156,7 @@
     <a:masterClrMapping/>
   </p:clrMapOvr>
   <mc:AlternateContent xmlns:mc="http://schemas.openxmlformats.org/markup-compatibility/2006">
-    <mc:Choice xmlns:p15="http://schemas.microsoft.com/office/powerpoint/2012/main" xmlns="" Requires="p15">
+    <mc:Choice xmlns="" xmlns:p15="http://schemas.microsoft.com/office/powerpoint/2012/main" Requires="p15">
       <p:transition xmlns:p14="http://schemas.microsoft.com/office/powerpoint/2010/main" spd="slow" p14:dur="2000">
         <p15:prstTrans prst="fracture"/>
       </p:transition>
@@ -4273,41 +4273,20 @@
               <a:rPr lang="fr-FR" sz="3500" dirty="0" smtClean="0">
                 <a:latin typeface="Helvetica LT Std" panose="020B0504020202020204" pitchFamily="34" charset="0"/>
               </a:rPr>
-              <a:t> </a:t>
-            </a:r>
+              <a:t> de DAO</a:t>
+            </a:r>
+          </a:p>
+          <a:p>
+            <a:endParaRPr lang="fr-FR" sz="3500" dirty="0" smtClean="0">
+              <a:latin typeface="Helvetica LT Std" panose="020B0504020202020204" pitchFamily="34" charset="0"/>
+            </a:endParaRPr>
+          </a:p>
+          <a:p>
             <a:r>
               <a:rPr lang="fr-FR" sz="3500" dirty="0" smtClean="0">
                 <a:latin typeface="Helvetica LT Std" panose="020B0504020202020204" pitchFamily="34" charset="0"/>
               </a:rPr>
-              <a:t>de </a:t>
-            </a:r>
-            <a:r>
-              <a:rPr lang="fr-FR" sz="3500" dirty="0" smtClean="0">
-                <a:latin typeface="Helvetica LT Std" panose="020B0504020202020204" pitchFamily="34" charset="0"/>
-              </a:rPr>
-              <a:t>DAO</a:t>
-            </a:r>
-            <a:endParaRPr lang="fr-FR" sz="3500" dirty="0" smtClean="0">
-              <a:latin typeface="Helvetica LT Std" panose="020B0504020202020204" pitchFamily="34" charset="0"/>
-            </a:endParaRPr>
-          </a:p>
-          <a:p>
-            <a:endParaRPr lang="fr-FR" sz="3500" dirty="0" smtClean="0">
-              <a:latin typeface="Helvetica LT Std" panose="020B0504020202020204" pitchFamily="34" charset="0"/>
-            </a:endParaRPr>
-          </a:p>
-          <a:p>
-            <a:r>
-              <a:rPr lang="fr-FR" sz="3500" dirty="0" smtClean="0">
-                <a:latin typeface="Helvetica LT Std" panose="020B0504020202020204" pitchFamily="34" charset="0"/>
-              </a:rPr>
-              <a:t>Réorganisation </a:t>
-            </a:r>
-            <a:r>
-              <a:rPr lang="fr-FR" sz="3500" dirty="0" smtClean="0">
-                <a:latin typeface="Helvetica LT Std" panose="020B0504020202020204" pitchFamily="34" charset="0"/>
-              </a:rPr>
-              <a:t>des </a:t>
+              <a:t>Réorganisation des </a:t>
             </a:r>
             <a:r>
               <a:rPr lang="fr-FR" sz="3500" dirty="0" err="1" smtClean="0">
@@ -4375,7 +4354,7 @@
     <a:masterClrMapping/>
   </p:clrMapOvr>
   <mc:AlternateContent xmlns:mc="http://schemas.openxmlformats.org/markup-compatibility/2006">
-    <mc:Choice xmlns:p15="http://schemas.microsoft.com/office/powerpoint/2012/main" xmlns="" Requires="p15">
+    <mc:Choice xmlns="" xmlns:p15="http://schemas.microsoft.com/office/powerpoint/2012/main" Requires="p15">
       <p:transition xmlns:p14="http://schemas.microsoft.com/office/powerpoint/2010/main" spd="slow" p14:dur="2000">
         <p15:prstTrans prst="fracture"/>
       </p:transition>
@@ -4474,13 +4453,7 @@
               <a:rPr lang="fr-FR" sz="3500" dirty="0" smtClean="0">
                 <a:latin typeface="Helvetica LT Std" panose="020B0504020202020204" pitchFamily="34" charset="0"/>
               </a:rPr>
-              <a:t>Bonne compartimentation du </a:t>
-            </a:r>
-            <a:r>
-              <a:rPr lang="fr-FR" sz="3500" dirty="0" smtClean="0">
-                <a:latin typeface="Helvetica LT Std" panose="020B0504020202020204" pitchFamily="34" charset="0"/>
-              </a:rPr>
-              <a:t>code selon le pattern MVC</a:t>
+              <a:t>Bonne compartimentation du code selon le pattern MVC</a:t>
             </a:r>
           </a:p>
           <a:p>
@@ -4505,29 +4478,8 @@
               <a:rPr lang="fr-FR" sz="3500" dirty="0" smtClean="0">
                 <a:latin typeface="Helvetica LT Std" panose="020B0504020202020204" pitchFamily="34" charset="0"/>
               </a:rPr>
-              <a:t> » </a:t>
-            </a:r>
-            <a:r>
-              <a:rPr lang="fr-FR" sz="3500" dirty="0" smtClean="0">
-                <a:latin typeface="Helvetica LT Std" panose="020B0504020202020204" pitchFamily="34" charset="0"/>
-              </a:rPr>
-              <a:t>très génériques, </a:t>
-            </a:r>
-            <a:r>
-              <a:rPr lang="fr-FR" sz="3500" dirty="0" smtClean="0">
-                <a:latin typeface="Helvetica LT Std" panose="020B0504020202020204" pitchFamily="34" charset="0"/>
-              </a:rPr>
-              <a:t>permet la </a:t>
-            </a:r>
-            <a:r>
-              <a:rPr lang="fr-FR" sz="3500" dirty="0" smtClean="0">
-                <a:latin typeface="Helvetica LT Std" panose="020B0504020202020204" pitchFamily="34" charset="0"/>
-              </a:rPr>
-              <a:t>réutilisation dans d’autres projets</a:t>
-            </a:r>
-            <a:endParaRPr lang="fr-FR" sz="3500" dirty="0" smtClean="0">
-              <a:latin typeface="Helvetica LT Std" panose="020B0504020202020204" pitchFamily="34" charset="0"/>
-            </a:endParaRPr>
+              <a:t> » très génériques, permet la réutilisation dans d’autres projets</a:t>
+            </a:r>
           </a:p>
           <a:p>
             <a:endParaRPr lang="fr-FR" sz="3500" dirty="0" smtClean="0">
@@ -4595,7 +4547,7 @@
     <a:masterClrMapping/>
   </p:clrMapOvr>
   <mc:AlternateContent xmlns:mc="http://schemas.openxmlformats.org/markup-compatibility/2006">
-    <mc:Choice xmlns:p15="http://schemas.microsoft.com/office/powerpoint/2012/main" xmlns="" Requires="p15">
+    <mc:Choice xmlns="" xmlns:p15="http://schemas.microsoft.com/office/powerpoint/2012/main" Requires="p15">
       <p:transition xmlns:p14="http://schemas.microsoft.com/office/powerpoint/2010/main" spd="slow" p14:dur="2000">
         <p15:prstTrans prst="fracture"/>
       </p:transition>
@@ -4855,7 +4807,7 @@
     <a:masterClrMapping/>
   </p:clrMapOvr>
   <mc:AlternateContent xmlns:mc="http://schemas.openxmlformats.org/markup-compatibility/2006">
-    <mc:Choice xmlns:p15="http://schemas.microsoft.com/office/powerpoint/2012/main" xmlns="" Requires="p15">
+    <mc:Choice xmlns="" xmlns:p15="http://schemas.microsoft.com/office/powerpoint/2012/main" Requires="p15">
       <p:transition xmlns:p14="http://schemas.microsoft.com/office/powerpoint/2010/main" spd="slow" p14:dur="2000">
         <p15:prstTrans prst="fracture"/>
       </p:transition>
@@ -5058,7 +5010,7 @@
     <a:masterClrMapping/>
   </p:clrMapOvr>
   <mc:AlternateContent xmlns:mc="http://schemas.openxmlformats.org/markup-compatibility/2006">
-    <mc:Choice xmlns:p15="http://schemas.microsoft.com/office/powerpoint/2012/main" xmlns="" Requires="p15">
+    <mc:Choice xmlns="" xmlns:p15="http://schemas.microsoft.com/office/powerpoint/2012/main" Requires="p15">
       <p:transition xmlns:p14="http://schemas.microsoft.com/office/powerpoint/2010/main" spd="slow" p14:dur="2000">
         <p15:prstTrans prst="fracture"/>
       </p:transition>
@@ -5173,17 +5125,14 @@
               <a:t>Charge la </a:t>
             </a:r>
             <a:r>
-              <a:rPr lang="fr-FR" sz="3500" dirty="0" err="1" smtClean="0">
-                <a:latin typeface="Helvetica LT Std" panose="020B0504020202020204" pitchFamily="34" charset="0"/>
-              </a:rPr>
-              <a:t>view</a:t>
-            </a:r>
-            <a:r>
               <a:rPr lang="fr-FR" sz="3500" dirty="0" smtClean="0">
                 <a:latin typeface="Helvetica LT Std" panose="020B0504020202020204" pitchFamily="34" charset="0"/>
               </a:rPr>
-              <a:t> souhaité</a:t>
-            </a:r>
+              <a:t>vue souhaitée</a:t>
+            </a:r>
+            <a:endParaRPr lang="fr-FR" sz="3500" dirty="0" smtClean="0">
+              <a:latin typeface="Helvetica LT Std" panose="020B0504020202020204" pitchFamily="34" charset="0"/>
+            </a:endParaRPr>
           </a:p>
           <a:p>
             <a:endParaRPr lang="fr-FR" sz="3500" dirty="0">
@@ -5252,7 +5201,7 @@
     <a:masterClrMapping/>
   </p:clrMapOvr>
   <mc:AlternateContent xmlns:mc="http://schemas.openxmlformats.org/markup-compatibility/2006">
-    <mc:Choice xmlns:p15="http://schemas.microsoft.com/office/powerpoint/2012/main" xmlns="" Requires="p15">
+    <mc:Choice xmlns="" xmlns:p15="http://schemas.microsoft.com/office/powerpoint/2012/main" Requires="p15">
       <p:transition xmlns:p14="http://schemas.microsoft.com/office/powerpoint/2010/main" spd="slow" p14:dur="2000">
         <p15:prstTrans prst="fracture"/>
       </p:transition>
@@ -5351,13 +5300,13 @@
               <a:rPr lang="fr-FR" sz="3500" dirty="0" smtClean="0">
                 <a:latin typeface="Helvetica LT Std" panose="020B0504020202020204" pitchFamily="34" charset="0"/>
               </a:rPr>
-              <a:t>Chargé de l’affichage de </a:t>
+              <a:t>Chargée </a:t>
             </a:r>
             <a:r>
               <a:rPr lang="fr-FR" sz="3500" dirty="0" smtClean="0">
                 <a:latin typeface="Helvetica LT Std" panose="020B0504020202020204" pitchFamily="34" charset="0"/>
               </a:rPr>
-              <a:t>l’information</a:t>
+              <a:t>de l’affichage de l’information</a:t>
             </a:r>
           </a:p>
           <a:p>
@@ -5430,7 +5379,7 @@
     <a:masterClrMapping/>
   </p:clrMapOvr>
   <mc:AlternateContent xmlns:mc="http://schemas.openxmlformats.org/markup-compatibility/2006">
-    <mc:Choice xmlns:p15="http://schemas.microsoft.com/office/powerpoint/2012/main" xmlns="" Requires="p15">
+    <mc:Choice xmlns="" xmlns:p15="http://schemas.microsoft.com/office/powerpoint/2012/main" Requires="p15">
       <p:transition xmlns:p14="http://schemas.microsoft.com/office/powerpoint/2010/main" spd="slow" p14:dur="2000">
         <p15:prstTrans prst="fracture"/>
       </p:transition>
@@ -5497,9 +5446,6 @@
               </a:rPr>
               <a:t>Model &amp; Data Access Object</a:t>
             </a:r>
-            <a:endParaRPr lang="fr-FR" sz="5500" dirty="0">
-              <a:latin typeface="Helvetica LT Std" panose="020B0504020202020204" pitchFamily="34" charset="0"/>
-            </a:endParaRPr>
           </a:p>
         </p:txBody>
       </p:sp>
@@ -5529,19 +5475,7 @@
               <a:rPr lang="fr-FR" sz="3500" dirty="0" smtClean="0">
                 <a:latin typeface="Helvetica LT Std" panose="020B0504020202020204" pitchFamily="34" charset="0"/>
               </a:rPr>
-              <a:t>Le Model est constitué </a:t>
-            </a:r>
-            <a:r>
-              <a:rPr lang="fr-FR" sz="3500" dirty="0" smtClean="0">
-                <a:latin typeface="Helvetica LT Std" panose="020B0504020202020204" pitchFamily="34" charset="0"/>
-              </a:rPr>
-              <a:t>des classes </a:t>
-            </a:r>
-            <a:r>
-              <a:rPr lang="fr-FR" sz="3500" dirty="0" smtClean="0">
-                <a:latin typeface="Helvetica LT Std" panose="020B0504020202020204" pitchFamily="34" charset="0"/>
-              </a:rPr>
-              <a:t>métiers</a:t>
+              <a:t>Le Model est constitué des classes métiers</a:t>
             </a:r>
           </a:p>
           <a:p>
@@ -5638,7 +5572,7 @@
     <a:masterClrMapping/>
   </p:clrMapOvr>
   <mc:AlternateContent xmlns:mc="http://schemas.openxmlformats.org/markup-compatibility/2006">
-    <mc:Choice xmlns:p15="http://schemas.microsoft.com/office/powerpoint/2012/main" xmlns="" Requires="p15">
+    <mc:Choice xmlns="" xmlns:p15="http://schemas.microsoft.com/office/powerpoint/2012/main" Requires="p15">
       <p:transition xmlns:p14="http://schemas.microsoft.com/office/powerpoint/2010/main" spd="slow" p14:dur="2000">
         <p15:prstTrans prst="fracture"/>
       </p:transition>
@@ -5850,7 +5784,7 @@
     <a:masterClrMapping/>
   </p:clrMapOvr>
   <mc:AlternateContent xmlns:mc="http://schemas.openxmlformats.org/markup-compatibility/2006">
-    <mc:Choice xmlns:p15="http://schemas.microsoft.com/office/powerpoint/2012/main" xmlns="" Requires="p15">
+    <mc:Choice xmlns="" xmlns:p15="http://schemas.microsoft.com/office/powerpoint/2012/main" Requires="p15">
       <p:transition xmlns:p14="http://schemas.microsoft.com/office/powerpoint/2010/main" spd="slow" p14:dur="2000">
         <p15:prstTrans prst="fracture"/>
       </p:transition>
@@ -6032,16 +5966,16 @@
               <a:t>Le fichier de config permet de redéfinir </a:t>
             </a:r>
             <a:r>
-              <a:rPr lang="fr-FR" sz="3500" dirty="0" err="1" smtClean="0">
-                <a:latin typeface="Helvetica LT Std" panose="020B0504020202020204" pitchFamily="34" charset="0"/>
-              </a:rPr>
-              <a:t>rapidemment</a:t>
-            </a:r>
-            <a:r>
               <a:rPr lang="fr-FR" sz="3500" dirty="0" smtClean="0">
                 <a:latin typeface="Helvetica LT Std" panose="020B0504020202020204" pitchFamily="34" charset="0"/>
               </a:rPr>
-              <a:t> la connexion BDD</a:t>
+              <a:t>rapidement </a:t>
+            </a:r>
+            <a:r>
+              <a:rPr lang="fr-FR" sz="3500" dirty="0" smtClean="0">
+                <a:latin typeface="Helvetica LT Std" panose="020B0504020202020204" pitchFamily="34" charset="0"/>
+              </a:rPr>
+              <a:t>la connexion BDD</a:t>
             </a:r>
             <a:endParaRPr lang="fr-FR" sz="3500" dirty="0">
               <a:latin typeface="Helvetica LT Std" panose="020B0504020202020204" pitchFamily="34" charset="0"/>
@@ -6098,7 +6032,7 @@
     <a:masterClrMapping/>
   </p:clrMapOvr>
   <mc:AlternateContent xmlns:mc="http://schemas.openxmlformats.org/markup-compatibility/2006">
-    <mc:Choice xmlns:p15="http://schemas.microsoft.com/office/powerpoint/2012/main" xmlns="" Requires="p15">
+    <mc:Choice xmlns="" xmlns:p15="http://schemas.microsoft.com/office/powerpoint/2012/main" Requires="p15">
       <p:transition xmlns:p14="http://schemas.microsoft.com/office/powerpoint/2010/main" spd="slow" p14:dur="2000">
         <p15:prstTrans prst="fracture"/>
       </p:transition>
@@ -6362,7 +6296,7 @@
     <a:masterClrMapping/>
   </p:clrMapOvr>
   <mc:AlternateContent xmlns:mc="http://schemas.openxmlformats.org/markup-compatibility/2006">
-    <mc:Choice xmlns:p15="http://schemas.microsoft.com/office/powerpoint/2012/main" xmlns="" Requires="p15">
+    <mc:Choice xmlns="" xmlns:p15="http://schemas.microsoft.com/office/powerpoint/2012/main" Requires="p15">
       <p:transition xmlns:p14="http://schemas.microsoft.com/office/powerpoint/2010/main" spd="slow" p14:dur="2000">
         <p15:prstTrans prst="fracture"/>
       </p:transition>
